--- a/Presentation/Arabizi Detection.pptx
+++ b/Presentation/Arabizi Detection.pptx
@@ -6,11 +6,21 @@
   </p:sldMasterIdLst>
   <p:sldIdLst>
     <p:sldId id="256" r:id="rId2"/>
-    <p:sldId id="257" r:id="rId3"/>
-    <p:sldId id="258" r:id="rId4"/>
-    <p:sldId id="260" r:id="rId5"/>
-    <p:sldId id="261" r:id="rId6"/>
-    <p:sldId id="259" r:id="rId7"/>
+    <p:sldId id="266" r:id="rId3"/>
+    <p:sldId id="262" r:id="rId4"/>
+    <p:sldId id="263" r:id="rId5"/>
+    <p:sldId id="264" r:id="rId6"/>
+    <p:sldId id="260" r:id="rId7"/>
+    <p:sldId id="259" r:id="rId8"/>
+    <p:sldId id="268" r:id="rId9"/>
+    <p:sldId id="261" r:id="rId10"/>
+    <p:sldId id="257" r:id="rId11"/>
+    <p:sldId id="258" r:id="rId12"/>
+    <p:sldId id="267" r:id="rId13"/>
+    <p:sldId id="271" r:id="rId14"/>
+    <p:sldId id="269" r:id="rId15"/>
+    <p:sldId id="270" r:id="rId16"/>
+    <p:sldId id="265" r:id="rId17"/>
   </p:sldIdLst>
   <p:sldSz cx="12192000" cy="6858000"/>
   <p:notesSz cx="6858000" cy="9144000"/>
@@ -264,7 +274,7 @@
           <a:p>
             <a:fld id="{0D1C8256-3133-9F41-8EE7-F293CA1E96FE}" type="datetimeFigureOut">
               <a:rPr lang="en-US" smtClean="0"/>
-              <a:t>12/14/19</a:t>
+              <a:t>12/18/19</a:t>
             </a:fld>
             <a:endParaRPr lang="en-US"/>
           </a:p>
@@ -462,7 +472,7 @@
           <a:p>
             <a:fld id="{0D1C8256-3133-9F41-8EE7-F293CA1E96FE}" type="datetimeFigureOut">
               <a:rPr lang="en-US" smtClean="0"/>
-              <a:t>12/14/19</a:t>
+              <a:t>12/18/19</a:t>
             </a:fld>
             <a:endParaRPr lang="en-US"/>
           </a:p>
@@ -670,7 +680,7 @@
           <a:p>
             <a:fld id="{0D1C8256-3133-9F41-8EE7-F293CA1E96FE}" type="datetimeFigureOut">
               <a:rPr lang="en-US" smtClean="0"/>
-              <a:t>12/14/19</a:t>
+              <a:t>12/18/19</a:t>
             </a:fld>
             <a:endParaRPr lang="en-US"/>
           </a:p>
@@ -868,7 +878,7 @@
           <a:p>
             <a:fld id="{0D1C8256-3133-9F41-8EE7-F293CA1E96FE}" type="datetimeFigureOut">
               <a:rPr lang="en-US" smtClean="0"/>
-              <a:t>12/14/19</a:t>
+              <a:t>12/18/19</a:t>
             </a:fld>
             <a:endParaRPr lang="en-US"/>
           </a:p>
@@ -1143,7 +1153,7 @@
           <a:p>
             <a:fld id="{0D1C8256-3133-9F41-8EE7-F293CA1E96FE}" type="datetimeFigureOut">
               <a:rPr lang="en-US" smtClean="0"/>
-              <a:t>12/14/19</a:t>
+              <a:t>12/18/19</a:t>
             </a:fld>
             <a:endParaRPr lang="en-US"/>
           </a:p>
@@ -1408,7 +1418,7 @@
           <a:p>
             <a:fld id="{0D1C8256-3133-9F41-8EE7-F293CA1E96FE}" type="datetimeFigureOut">
               <a:rPr lang="en-US" smtClean="0"/>
-              <a:t>12/14/19</a:t>
+              <a:t>12/18/19</a:t>
             </a:fld>
             <a:endParaRPr lang="en-US"/>
           </a:p>
@@ -1820,7 +1830,7 @@
           <a:p>
             <a:fld id="{0D1C8256-3133-9F41-8EE7-F293CA1E96FE}" type="datetimeFigureOut">
               <a:rPr lang="en-US" smtClean="0"/>
-              <a:t>12/14/19</a:t>
+              <a:t>12/18/19</a:t>
             </a:fld>
             <a:endParaRPr lang="en-US"/>
           </a:p>
@@ -1961,7 +1971,7 @@
           <a:p>
             <a:fld id="{0D1C8256-3133-9F41-8EE7-F293CA1E96FE}" type="datetimeFigureOut">
               <a:rPr lang="en-US" smtClean="0"/>
-              <a:t>12/14/19</a:t>
+              <a:t>12/18/19</a:t>
             </a:fld>
             <a:endParaRPr lang="en-US"/>
           </a:p>
@@ -2074,7 +2084,7 @@
           <a:p>
             <a:fld id="{0D1C8256-3133-9F41-8EE7-F293CA1E96FE}" type="datetimeFigureOut">
               <a:rPr lang="en-US" smtClean="0"/>
-              <a:t>12/14/19</a:t>
+              <a:t>12/18/19</a:t>
             </a:fld>
             <a:endParaRPr lang="en-US"/>
           </a:p>
@@ -2385,7 +2395,7 @@
           <a:p>
             <a:fld id="{0D1C8256-3133-9F41-8EE7-F293CA1E96FE}" type="datetimeFigureOut">
               <a:rPr lang="en-US" smtClean="0"/>
-              <a:t>12/14/19</a:t>
+              <a:t>12/18/19</a:t>
             </a:fld>
             <a:endParaRPr lang="en-US"/>
           </a:p>
@@ -2673,7 +2683,7 @@
           <a:p>
             <a:fld id="{0D1C8256-3133-9F41-8EE7-F293CA1E96FE}" type="datetimeFigureOut">
               <a:rPr lang="en-US" smtClean="0"/>
-              <a:t>12/14/19</a:t>
+              <a:t>12/18/19</a:t>
             </a:fld>
             <a:endParaRPr lang="en-US"/>
           </a:p>
@@ -2914,7 +2924,7 @@
           <a:p>
             <a:fld id="{0D1C8256-3133-9F41-8EE7-F293CA1E96FE}" type="datetimeFigureOut">
               <a:rPr lang="en-US" smtClean="0"/>
-              <a:t>12/14/19</a:t>
+              <a:t>12/18/19</a:t>
             </a:fld>
             <a:endParaRPr lang="en-US"/>
           </a:p>
@@ -3353,12 +3363,8 @@
           <a:lstStyle/>
           <a:p>
             <a:r>
-              <a:rPr lang="en-US" dirty="0" err="1"/>
-              <a:t>Arabizi</a:t>
-            </a:r>
-            <a:r>
               <a:rPr lang="en-US" dirty="0"/>
-              <a:t> Language Detection</a:t>
+              <a:t>3rabizi Language Identification</a:t>
             </a:r>
           </a:p>
         </p:txBody>
@@ -3379,19 +3385,22 @@
             <p:ph type="subTitle" idx="1"/>
           </p:nvPr>
         </p:nvSpPr>
-        <p:spPr/>
+        <p:spPr>
+          <a:xfrm>
+            <a:off x="1524000" y="3675190"/>
+            <a:ext cx="9144000" cy="567626"/>
+          </a:xfrm>
+        </p:spPr>
         <p:txBody>
           <a:bodyPr/>
           <a:lstStyle/>
           <a:p>
-            <a:pPr algn="r"/>
             <a:r>
               <a:rPr lang="en-US" dirty="0"/>
-              <a:t>Natural Language Processing</a:t>
-            </a:r>
-          </a:p>
-          <a:p>
-            <a:pPr algn="r"/>
+              <a:t>Detection of a Romanized Language from Short Social Media Texts</a:t>
+            </a:r>
+          </a:p>
+          <a:p>
             <a:endParaRPr lang="en-US" dirty="0"/>
           </a:p>
         </p:txBody>
@@ -3409,7 +3418,7 @@
 </p:sld>
 </file>
 
-<file path=ppt/slides/slide2.xml><?xml version="1.0" encoding="utf-8"?>
+<file path=ppt/slides/slide10.xml><?xml version="1.0" encoding="utf-8"?>
 <p:sld xmlns:a="http://schemas.openxmlformats.org/drawingml/2006/main" xmlns:r="http://schemas.openxmlformats.org/officeDocument/2006/relationships" xmlns:p="http://schemas.openxmlformats.org/presentationml/2006/main">
   <p:cSld>
     <p:spTree>
@@ -3442,9 +3451,16 @@
             <p:ph type="title"/>
           </p:nvPr>
         </p:nvSpPr>
-        <p:spPr/>
-        <p:txBody>
-          <a:bodyPr/>
+        <p:spPr>
+          <a:xfrm>
+            <a:off x="838200" y="365125"/>
+            <a:ext cx="10515600" cy="620713"/>
+          </a:xfrm>
+        </p:spPr>
+        <p:txBody>
+          <a:bodyPr>
+            <a:normAutofit fontScale="90000"/>
+          </a:bodyPr>
           <a:lstStyle/>
           <a:p>
             <a:r>
@@ -3470,12 +3486,82 @@
             <p:ph idx="1"/>
           </p:nvPr>
         </p:nvSpPr>
-        <p:spPr/>
+        <p:spPr>
+          <a:xfrm>
+            <a:off x="838200" y="2014537"/>
+            <a:ext cx="10515600" cy="4162425"/>
+          </a:xfrm>
+        </p:spPr>
         <p:txBody>
           <a:bodyPr/>
           <a:lstStyle/>
           <a:p>
-            <a:endParaRPr lang="en-US"/>
+            <a:r>
+              <a:rPr lang="en-US" dirty="0"/>
+              <a:t>Tweets containing keywords “Arab” and “Politics” were fetched to match the domain of existing corpus.</a:t>
+            </a:r>
+          </a:p>
+          <a:p>
+            <a:r>
+              <a:rPr lang="en-US" dirty="0"/>
+              <a:t>The fetched tweets were posted between 12/1/19 and 12/12/19.</a:t>
+            </a:r>
+          </a:p>
+          <a:p>
+            <a:r>
+              <a:rPr lang="en-US" dirty="0"/>
+              <a:t>The following function were carried as part of preprocessing:</a:t>
+            </a:r>
+          </a:p>
+          <a:p>
+            <a:pPr lvl="1">
+              <a:buFont typeface="Courier New" panose="02070309020205020404" pitchFamily="49" charset="0"/>
+              <a:buChar char="o"/>
+            </a:pPr>
+            <a:r>
+              <a:rPr lang="en-US" dirty="0"/>
+              <a:t>Removal of retweets so as to remove repeated words</a:t>
+            </a:r>
+          </a:p>
+          <a:p>
+            <a:pPr lvl="1">
+              <a:buFont typeface="Courier New" panose="02070309020205020404" pitchFamily="49" charset="0"/>
+              <a:buChar char="o"/>
+            </a:pPr>
+            <a:r>
+              <a:rPr lang="en-US" dirty="0"/>
+              <a:t>Removal of punctuation</a:t>
+            </a:r>
+          </a:p>
+          <a:p>
+            <a:pPr lvl="1">
+              <a:buFont typeface="Courier New" panose="02070309020205020404" pitchFamily="49" charset="0"/>
+              <a:buChar char="o"/>
+            </a:pPr>
+            <a:r>
+              <a:rPr lang="en-US" dirty="0"/>
+              <a:t>Stripping new lines and spaces.</a:t>
+            </a:r>
+          </a:p>
+          <a:p>
+            <a:pPr lvl="1">
+              <a:buFont typeface="Courier New" panose="02070309020205020404" pitchFamily="49" charset="0"/>
+              <a:buChar char="o"/>
+            </a:pPr>
+            <a:r>
+              <a:rPr lang="en-US" dirty="0"/>
+              <a:t>Removal of only numbers</a:t>
+            </a:r>
+          </a:p>
+          <a:p>
+            <a:pPr lvl="1">
+              <a:buFont typeface="Courier New" panose="02070309020205020404" pitchFamily="49" charset="0"/>
+              <a:buChar char="o"/>
+            </a:pPr>
+            <a:r>
+              <a:rPr lang="en-US" dirty="0"/>
+              <a:t>Characters repeated more than two times consequently are limited to two.</a:t>
+            </a:r>
           </a:p>
         </p:txBody>
       </p:sp>
@@ -3492,7 +3578,7 @@
 </p:sld>
 </file>
 
-<file path=ppt/slides/slide3.xml><?xml version="1.0" encoding="utf-8"?>
+<file path=ppt/slides/slide11.xml><?xml version="1.0" encoding="utf-8"?>
 <p:sld xmlns:a="http://schemas.openxmlformats.org/drawingml/2006/main" xmlns:r="http://schemas.openxmlformats.org/officeDocument/2006/relationships" xmlns:p="http://schemas.openxmlformats.org/presentationml/2006/main">
   <p:cSld>
     <p:bg>
@@ -3889,6 +3975,1136 @@
 </p:sld>
 </file>
 
+<file path=ppt/slides/slide12.xml><?xml version="1.0" encoding="utf-8"?>
+<p:sld xmlns:a="http://schemas.openxmlformats.org/drawingml/2006/main" xmlns:r="http://schemas.openxmlformats.org/officeDocument/2006/relationships" xmlns:p="http://schemas.openxmlformats.org/presentationml/2006/main">
+  <p:cSld>
+    <p:spTree>
+      <p:nvGrpSpPr>
+        <p:cNvPr id="1" name=""/>
+        <p:cNvGrpSpPr/>
+        <p:nvPr/>
+      </p:nvGrpSpPr>
+      <p:grpSpPr>
+        <a:xfrm>
+          <a:off x="0" y="0"/>
+          <a:ext cx="0" cy="0"/>
+          <a:chOff x="0" y="0"/>
+          <a:chExt cx="0" cy="0"/>
+        </a:xfrm>
+      </p:grpSpPr>
+      <p:sp>
+        <p:nvSpPr>
+          <p:cNvPr id="2" name="Title 1">
+            <a:extLst>
+              <a:ext uri="{FF2B5EF4-FFF2-40B4-BE49-F238E27FC236}">
+                <a16:creationId xmlns:a16="http://schemas.microsoft.com/office/drawing/2014/main" id="{E9F17C13-9366-4946-B110-5B0D769F2E22}"/>
+              </a:ext>
+            </a:extLst>
+          </p:cNvPr>
+          <p:cNvSpPr>
+            <a:spLocks noGrp="1"/>
+          </p:cNvSpPr>
+          <p:nvPr>
+            <p:ph type="title"/>
+          </p:nvPr>
+        </p:nvSpPr>
+        <p:spPr>
+          <a:xfrm>
+            <a:off x="838200" y="365125"/>
+            <a:ext cx="10515600" cy="732155"/>
+          </a:xfrm>
+        </p:spPr>
+        <p:txBody>
+          <a:bodyPr/>
+          <a:lstStyle/>
+          <a:p>
+            <a:r>
+              <a:rPr lang="en-US" dirty="0"/>
+              <a:t>Features</a:t>
+            </a:r>
+          </a:p>
+        </p:txBody>
+      </p:sp>
+      <p:sp>
+        <p:nvSpPr>
+          <p:cNvPr id="3" name="Content Placeholder 2">
+            <a:extLst>
+              <a:ext uri="{FF2B5EF4-FFF2-40B4-BE49-F238E27FC236}">
+                <a16:creationId xmlns:a16="http://schemas.microsoft.com/office/drawing/2014/main" id="{A65947CC-E826-7A4D-85B1-1B32ACBBFC76}"/>
+              </a:ext>
+            </a:extLst>
+          </p:cNvPr>
+          <p:cNvSpPr>
+            <a:spLocks noGrp="1"/>
+          </p:cNvSpPr>
+          <p:nvPr>
+            <p:ph idx="1"/>
+          </p:nvPr>
+        </p:nvSpPr>
+        <p:spPr>
+          <a:xfrm>
+            <a:off x="838200" y="1825625"/>
+            <a:ext cx="10515600" cy="2197735"/>
+          </a:xfrm>
+        </p:spPr>
+        <p:txBody>
+          <a:bodyPr/>
+          <a:lstStyle/>
+          <a:p>
+            <a:r>
+              <a:rPr lang="en-US" dirty="0"/>
+              <a:t>Study by [1] found out that the increase in character level n-gram for the feature improved the accuracy. The best accuracy was at character level trigram.</a:t>
+            </a:r>
+          </a:p>
+          <a:p>
+            <a:r>
+              <a:rPr lang="en-US" dirty="0"/>
+              <a:t>The same study points at degraded accuracy on increase of word level n gram.</a:t>
+            </a:r>
+          </a:p>
+          <a:p>
+            <a:pPr marL="0" indent="0">
+              <a:buNone/>
+            </a:pPr>
+            <a:endParaRPr lang="en-US" dirty="0"/>
+          </a:p>
+        </p:txBody>
+      </p:sp>
+      <p:sp>
+        <p:nvSpPr>
+          <p:cNvPr id="4" name="TextBox 3">
+            <a:extLst>
+              <a:ext uri="{FF2B5EF4-FFF2-40B4-BE49-F238E27FC236}">
+                <a16:creationId xmlns:a16="http://schemas.microsoft.com/office/drawing/2014/main" id="{4A52B528-B5CE-A948-9DA5-AB3FB4D60D11}"/>
+              </a:ext>
+            </a:extLst>
+          </p:cNvPr>
+          <p:cNvSpPr txBox="1"/>
+          <p:nvPr/>
+        </p:nvSpPr>
+        <p:spPr>
+          <a:xfrm>
+            <a:off x="597408" y="4986527"/>
+            <a:ext cx="2255520" cy="830997"/>
+          </a:xfrm>
+          <a:prstGeom prst="rect">
+            <a:avLst/>
+          </a:prstGeom>
+          <a:noFill/>
+          <a:ln>
+            <a:solidFill>
+              <a:schemeClr val="dk1"/>
+            </a:solidFill>
+          </a:ln>
+        </p:spPr>
+        <p:txBody>
+          <a:bodyPr wrap="square" rtlCol="0">
+            <a:spAutoFit/>
+          </a:bodyPr>
+          <a:lstStyle/>
+          <a:p>
+            <a:pPr algn="ctr"/>
+            <a:r>
+              <a:rPr lang="en-US" sz="2400" dirty="0"/>
+              <a:t>Character level Trigram</a:t>
+            </a:r>
+          </a:p>
+        </p:txBody>
+      </p:sp>
+      <p:sp>
+        <p:nvSpPr>
+          <p:cNvPr id="5" name="TextBox 4">
+            <a:extLst>
+              <a:ext uri="{FF2B5EF4-FFF2-40B4-BE49-F238E27FC236}">
+                <a16:creationId xmlns:a16="http://schemas.microsoft.com/office/drawing/2014/main" id="{778E0476-18B3-644F-BBAA-DE3176157A8E}"/>
+              </a:ext>
+            </a:extLst>
+          </p:cNvPr>
+          <p:cNvSpPr txBox="1"/>
+          <p:nvPr/>
+        </p:nvSpPr>
+        <p:spPr>
+          <a:xfrm>
+            <a:off x="4565904" y="4986527"/>
+            <a:ext cx="2255520" cy="830997"/>
+          </a:xfrm>
+          <a:prstGeom prst="rect">
+            <a:avLst/>
+          </a:prstGeom>
+          <a:noFill/>
+          <a:ln>
+            <a:solidFill>
+              <a:schemeClr val="dk1"/>
+            </a:solidFill>
+          </a:ln>
+        </p:spPr>
+        <p:txBody>
+          <a:bodyPr wrap="square" rtlCol="0">
+            <a:spAutoFit/>
+          </a:bodyPr>
+          <a:lstStyle/>
+          <a:p>
+            <a:pPr algn="ctr"/>
+            <a:r>
+              <a:rPr lang="en-US" sz="2400" dirty="0"/>
+              <a:t>Word level Unigram</a:t>
+            </a:r>
+          </a:p>
+        </p:txBody>
+      </p:sp>
+      <p:sp>
+        <p:nvSpPr>
+          <p:cNvPr id="6" name="TextBox 5">
+            <a:extLst>
+              <a:ext uri="{FF2B5EF4-FFF2-40B4-BE49-F238E27FC236}">
+                <a16:creationId xmlns:a16="http://schemas.microsoft.com/office/drawing/2014/main" id="{664C2862-30D8-9448-8504-B451E9DD953A}"/>
+              </a:ext>
+            </a:extLst>
+          </p:cNvPr>
+          <p:cNvSpPr txBox="1"/>
+          <p:nvPr/>
+        </p:nvSpPr>
+        <p:spPr>
+          <a:xfrm>
+            <a:off x="8534400" y="4986527"/>
+            <a:ext cx="2255520" cy="830997"/>
+          </a:xfrm>
+          <a:prstGeom prst="rect">
+            <a:avLst/>
+          </a:prstGeom>
+          <a:noFill/>
+          <a:ln>
+            <a:solidFill>
+              <a:schemeClr val="dk1"/>
+            </a:solidFill>
+          </a:ln>
+        </p:spPr>
+        <p:txBody>
+          <a:bodyPr wrap="square" rtlCol="0">
+            <a:spAutoFit/>
+          </a:bodyPr>
+          <a:lstStyle/>
+          <a:p>
+            <a:pPr algn="ctr"/>
+            <a:r>
+              <a:rPr lang="en-US" sz="2400" dirty="0"/>
+              <a:t>Inclusion of number</a:t>
+            </a:r>
+          </a:p>
+        </p:txBody>
+      </p:sp>
+    </p:spTree>
+    <p:extLst>
+      <p:ext uri="{BB962C8B-B14F-4D97-AF65-F5344CB8AC3E}">
+        <p14:creationId xmlns:p14="http://schemas.microsoft.com/office/powerpoint/2010/main" val="986192232"/>
+      </p:ext>
+    </p:extLst>
+  </p:cSld>
+  <p:clrMapOvr>
+    <a:masterClrMapping/>
+  </p:clrMapOvr>
+</p:sld>
+</file>
+
+<file path=ppt/slides/slide13.xml><?xml version="1.0" encoding="utf-8"?>
+<p:sld xmlns:a="http://schemas.openxmlformats.org/drawingml/2006/main" xmlns:r="http://schemas.openxmlformats.org/officeDocument/2006/relationships" xmlns:p="http://schemas.openxmlformats.org/presentationml/2006/main">
+  <p:cSld>
+    <p:spTree>
+      <p:nvGrpSpPr>
+        <p:cNvPr id="1" name=""/>
+        <p:cNvGrpSpPr/>
+        <p:nvPr/>
+      </p:nvGrpSpPr>
+      <p:grpSpPr>
+        <a:xfrm>
+          <a:off x="0" y="0"/>
+          <a:ext cx="0" cy="0"/>
+          <a:chOff x="0" y="0"/>
+          <a:chExt cx="0" cy="0"/>
+        </a:xfrm>
+      </p:grpSpPr>
+      <p:sp>
+        <p:nvSpPr>
+          <p:cNvPr id="2" name="Title 1">
+            <a:extLst>
+              <a:ext uri="{FF2B5EF4-FFF2-40B4-BE49-F238E27FC236}">
+                <a16:creationId xmlns:a16="http://schemas.microsoft.com/office/drawing/2014/main" id="{3D119CA9-D1EA-024A-9929-5AC0E8D80F50}"/>
+              </a:ext>
+            </a:extLst>
+          </p:cNvPr>
+          <p:cNvSpPr>
+            <a:spLocks noGrp="1"/>
+          </p:cNvSpPr>
+          <p:nvPr>
+            <p:ph type="title"/>
+          </p:nvPr>
+        </p:nvSpPr>
+        <p:spPr/>
+        <p:txBody>
+          <a:bodyPr/>
+          <a:lstStyle/>
+          <a:p>
+            <a:r>
+              <a:rPr lang="en-US" dirty="0"/>
+              <a:t>Algorithm</a:t>
+            </a:r>
+          </a:p>
+        </p:txBody>
+      </p:sp>
+      <p:sp>
+        <p:nvSpPr>
+          <p:cNvPr id="3" name="Content Placeholder 2">
+            <a:extLst>
+              <a:ext uri="{FF2B5EF4-FFF2-40B4-BE49-F238E27FC236}">
+                <a16:creationId xmlns:a16="http://schemas.microsoft.com/office/drawing/2014/main" id="{E041843E-D7A4-AF48-BA05-8293F4B421BC}"/>
+              </a:ext>
+            </a:extLst>
+          </p:cNvPr>
+          <p:cNvSpPr>
+            <a:spLocks noGrp="1"/>
+          </p:cNvSpPr>
+          <p:nvPr>
+            <p:ph idx="1"/>
+          </p:nvPr>
+        </p:nvSpPr>
+        <p:spPr/>
+        <p:txBody>
+          <a:bodyPr/>
+          <a:lstStyle/>
+          <a:p>
+            <a:endParaRPr lang="en-US"/>
+          </a:p>
+        </p:txBody>
+      </p:sp>
+    </p:spTree>
+    <p:extLst>
+      <p:ext uri="{BB962C8B-B14F-4D97-AF65-F5344CB8AC3E}">
+        <p14:creationId xmlns:p14="http://schemas.microsoft.com/office/powerpoint/2010/main" val="1760898983"/>
+      </p:ext>
+    </p:extLst>
+  </p:cSld>
+  <p:clrMapOvr>
+    <a:masterClrMapping/>
+  </p:clrMapOvr>
+</p:sld>
+</file>
+
+<file path=ppt/slides/slide14.xml><?xml version="1.0" encoding="utf-8"?>
+<p:sld xmlns:a="http://schemas.openxmlformats.org/drawingml/2006/main" xmlns:r="http://schemas.openxmlformats.org/officeDocument/2006/relationships" xmlns:p="http://schemas.openxmlformats.org/presentationml/2006/main">
+  <p:cSld>
+    <p:spTree>
+      <p:nvGrpSpPr>
+        <p:cNvPr id="1" name=""/>
+        <p:cNvGrpSpPr/>
+        <p:nvPr/>
+      </p:nvGrpSpPr>
+      <p:grpSpPr>
+        <a:xfrm>
+          <a:off x="0" y="0"/>
+          <a:ext cx="0" cy="0"/>
+          <a:chOff x="0" y="0"/>
+          <a:chExt cx="0" cy="0"/>
+        </a:xfrm>
+      </p:grpSpPr>
+      <p:sp>
+        <p:nvSpPr>
+          <p:cNvPr id="2" name="Title 1">
+            <a:extLst>
+              <a:ext uri="{FF2B5EF4-FFF2-40B4-BE49-F238E27FC236}">
+                <a16:creationId xmlns:a16="http://schemas.microsoft.com/office/drawing/2014/main" id="{C1444901-2431-F04A-AEBC-23256DAEF767}"/>
+              </a:ext>
+            </a:extLst>
+          </p:cNvPr>
+          <p:cNvSpPr>
+            <a:spLocks noGrp="1"/>
+          </p:cNvSpPr>
+          <p:nvPr>
+            <p:ph type="title"/>
+          </p:nvPr>
+        </p:nvSpPr>
+        <p:spPr/>
+        <p:txBody>
+          <a:bodyPr/>
+          <a:lstStyle/>
+          <a:p>
+            <a:r>
+              <a:rPr lang="en-US" dirty="0"/>
+              <a:t>Results</a:t>
+            </a:r>
+          </a:p>
+        </p:txBody>
+      </p:sp>
+      <p:sp>
+        <p:nvSpPr>
+          <p:cNvPr id="3" name="Content Placeholder 2">
+            <a:extLst>
+              <a:ext uri="{FF2B5EF4-FFF2-40B4-BE49-F238E27FC236}">
+                <a16:creationId xmlns:a16="http://schemas.microsoft.com/office/drawing/2014/main" id="{C0D193F0-350B-7244-AECC-B8D52A2BFFF7}"/>
+              </a:ext>
+            </a:extLst>
+          </p:cNvPr>
+          <p:cNvSpPr>
+            <a:spLocks noGrp="1"/>
+          </p:cNvSpPr>
+          <p:nvPr>
+            <p:ph idx="1"/>
+          </p:nvPr>
+        </p:nvSpPr>
+        <p:spPr/>
+        <p:txBody>
+          <a:bodyPr/>
+          <a:lstStyle/>
+          <a:p>
+            <a:endParaRPr lang="en-US"/>
+          </a:p>
+        </p:txBody>
+      </p:sp>
+    </p:spTree>
+    <p:extLst>
+      <p:ext uri="{BB962C8B-B14F-4D97-AF65-F5344CB8AC3E}">
+        <p14:creationId xmlns:p14="http://schemas.microsoft.com/office/powerpoint/2010/main" val="261122352"/>
+      </p:ext>
+    </p:extLst>
+  </p:cSld>
+  <p:clrMapOvr>
+    <a:masterClrMapping/>
+  </p:clrMapOvr>
+</p:sld>
+</file>
+
+<file path=ppt/slides/slide15.xml><?xml version="1.0" encoding="utf-8"?>
+<p:sld xmlns:a="http://schemas.openxmlformats.org/drawingml/2006/main" xmlns:r="http://schemas.openxmlformats.org/officeDocument/2006/relationships" xmlns:p="http://schemas.openxmlformats.org/presentationml/2006/main">
+  <p:cSld>
+    <p:spTree>
+      <p:nvGrpSpPr>
+        <p:cNvPr id="1" name=""/>
+        <p:cNvGrpSpPr/>
+        <p:nvPr/>
+      </p:nvGrpSpPr>
+      <p:grpSpPr>
+        <a:xfrm>
+          <a:off x="0" y="0"/>
+          <a:ext cx="0" cy="0"/>
+          <a:chOff x="0" y="0"/>
+          <a:chExt cx="0" cy="0"/>
+        </a:xfrm>
+      </p:grpSpPr>
+      <p:sp>
+        <p:nvSpPr>
+          <p:cNvPr id="2" name="Title 1">
+            <a:extLst>
+              <a:ext uri="{FF2B5EF4-FFF2-40B4-BE49-F238E27FC236}">
+                <a16:creationId xmlns:a16="http://schemas.microsoft.com/office/drawing/2014/main" id="{793E3A18-96F9-B949-9A7B-249B1BD5D612}"/>
+              </a:ext>
+            </a:extLst>
+          </p:cNvPr>
+          <p:cNvSpPr>
+            <a:spLocks noGrp="1"/>
+          </p:cNvSpPr>
+          <p:nvPr>
+            <p:ph type="title"/>
+          </p:nvPr>
+        </p:nvSpPr>
+        <p:spPr/>
+        <p:txBody>
+          <a:bodyPr/>
+          <a:lstStyle/>
+          <a:p>
+            <a:r>
+              <a:rPr lang="en-US" dirty="0"/>
+              <a:t>Conclusion</a:t>
+            </a:r>
+          </a:p>
+        </p:txBody>
+      </p:sp>
+      <p:sp>
+        <p:nvSpPr>
+          <p:cNvPr id="3" name="Content Placeholder 2">
+            <a:extLst>
+              <a:ext uri="{FF2B5EF4-FFF2-40B4-BE49-F238E27FC236}">
+                <a16:creationId xmlns:a16="http://schemas.microsoft.com/office/drawing/2014/main" id="{89EB2007-D2FA-324C-A08A-3D022231AABA}"/>
+              </a:ext>
+            </a:extLst>
+          </p:cNvPr>
+          <p:cNvSpPr>
+            <a:spLocks noGrp="1"/>
+          </p:cNvSpPr>
+          <p:nvPr>
+            <p:ph idx="1"/>
+          </p:nvPr>
+        </p:nvSpPr>
+        <p:spPr/>
+        <p:txBody>
+          <a:bodyPr/>
+          <a:lstStyle/>
+          <a:p>
+            <a:endParaRPr lang="en-US"/>
+          </a:p>
+        </p:txBody>
+      </p:sp>
+    </p:spTree>
+    <p:extLst>
+      <p:ext uri="{BB962C8B-B14F-4D97-AF65-F5344CB8AC3E}">
+        <p14:creationId xmlns:p14="http://schemas.microsoft.com/office/powerpoint/2010/main" val="1015766935"/>
+      </p:ext>
+    </p:extLst>
+  </p:cSld>
+  <p:clrMapOvr>
+    <a:masterClrMapping/>
+  </p:clrMapOvr>
+</p:sld>
+</file>
+
+<file path=ppt/slides/slide16.xml><?xml version="1.0" encoding="utf-8"?>
+<p:sld xmlns:a="http://schemas.openxmlformats.org/drawingml/2006/main" xmlns:r="http://schemas.openxmlformats.org/officeDocument/2006/relationships" xmlns:p="http://schemas.openxmlformats.org/presentationml/2006/main">
+  <p:cSld>
+    <p:spTree>
+      <p:nvGrpSpPr>
+        <p:cNvPr id="1" name=""/>
+        <p:cNvGrpSpPr/>
+        <p:nvPr/>
+      </p:nvGrpSpPr>
+      <p:grpSpPr>
+        <a:xfrm>
+          <a:off x="0" y="0"/>
+          <a:ext cx="0" cy="0"/>
+          <a:chOff x="0" y="0"/>
+          <a:chExt cx="0" cy="0"/>
+        </a:xfrm>
+      </p:grpSpPr>
+      <p:sp>
+        <p:nvSpPr>
+          <p:cNvPr id="2" name="Title 1">
+            <a:extLst>
+              <a:ext uri="{FF2B5EF4-FFF2-40B4-BE49-F238E27FC236}">
+                <a16:creationId xmlns:a16="http://schemas.microsoft.com/office/drawing/2014/main" id="{F0A9816D-1036-824D-A614-D8F3FACFF75F}"/>
+              </a:ext>
+            </a:extLst>
+          </p:cNvPr>
+          <p:cNvSpPr>
+            <a:spLocks noGrp="1"/>
+          </p:cNvSpPr>
+          <p:nvPr>
+            <p:ph type="title"/>
+          </p:nvPr>
+        </p:nvSpPr>
+        <p:spPr/>
+        <p:txBody>
+          <a:bodyPr/>
+          <a:lstStyle/>
+          <a:p>
+            <a:r>
+              <a:rPr lang="en-US" dirty="0"/>
+              <a:t>References</a:t>
+            </a:r>
+          </a:p>
+        </p:txBody>
+      </p:sp>
+      <p:sp>
+        <p:nvSpPr>
+          <p:cNvPr id="3" name="Content Placeholder 2">
+            <a:extLst>
+              <a:ext uri="{FF2B5EF4-FFF2-40B4-BE49-F238E27FC236}">
+                <a16:creationId xmlns:a16="http://schemas.microsoft.com/office/drawing/2014/main" id="{96D1616E-51DE-3149-9344-AF7540563B01}"/>
+              </a:ext>
+            </a:extLst>
+          </p:cNvPr>
+          <p:cNvSpPr>
+            <a:spLocks noGrp="1"/>
+          </p:cNvSpPr>
+          <p:nvPr>
+            <p:ph idx="1"/>
+          </p:nvPr>
+        </p:nvSpPr>
+        <p:spPr/>
+        <p:txBody>
+          <a:bodyPr>
+            <a:normAutofit/>
+          </a:bodyPr>
+          <a:lstStyle/>
+          <a:p>
+            <a:pPr marL="0" indent="0">
+              <a:buNone/>
+            </a:pPr>
+            <a:r>
+              <a:rPr lang="en-US" sz="1800" dirty="0"/>
+              <a:t>[1]  W. </a:t>
+            </a:r>
+            <a:r>
+              <a:rPr lang="en-US" sz="1800" dirty="0" err="1"/>
+              <a:t>Adouane</a:t>
+            </a:r>
+            <a:r>
+              <a:rPr lang="en-US" sz="1800" dirty="0"/>
+              <a:t>, N. </a:t>
+            </a:r>
+            <a:r>
+              <a:rPr lang="en-US" sz="1800" dirty="0" err="1"/>
+              <a:t>Semmar</a:t>
+            </a:r>
+            <a:r>
+              <a:rPr lang="en-US" sz="1800" dirty="0"/>
+              <a:t>, and R. Johansson, “Romanized </a:t>
+            </a:r>
+            <a:r>
+              <a:rPr lang="en-US" sz="1800" dirty="0" err="1"/>
+              <a:t>berber</a:t>
+            </a:r>
+            <a:r>
+              <a:rPr lang="en-US" sz="1800" dirty="0"/>
+              <a:t> and </a:t>
+            </a:r>
+            <a:r>
+              <a:rPr lang="en-US" sz="1800" dirty="0" err="1"/>
+              <a:t>romanized</a:t>
+            </a:r>
+            <a:r>
+              <a:rPr lang="en-US" sz="1800" dirty="0"/>
+              <a:t> </a:t>
+            </a:r>
+            <a:r>
+              <a:rPr lang="en-US" sz="1800" dirty="0" err="1"/>
+              <a:t>arabic</a:t>
+            </a:r>
+            <a:r>
+              <a:rPr lang="en-US" sz="1800" dirty="0"/>
+              <a:t> automatic language identification using machine learning,” in Proceedings of the Third Workshop on NLP for Similar Languages, Varieties and Dialects (VarDial3), pp. 53–61, 2016. </a:t>
+            </a:r>
+          </a:p>
+          <a:p>
+            <a:pPr marL="0" indent="0">
+              <a:buNone/>
+            </a:pPr>
+            <a:r>
+              <a:rPr lang="en-US" sz="1800" dirty="0"/>
+              <a:t>[2]  K. Darwish, “</a:t>
+            </a:r>
+            <a:r>
+              <a:rPr lang="en-US" sz="1800" dirty="0" err="1"/>
+              <a:t>Arabizi</a:t>
+            </a:r>
+            <a:r>
+              <a:rPr lang="en-US" sz="1800" dirty="0"/>
+              <a:t> detection and conversion to </a:t>
+            </a:r>
+            <a:r>
+              <a:rPr lang="en-US" sz="1800" dirty="0" err="1"/>
+              <a:t>arabic</a:t>
+            </a:r>
+            <a:r>
+              <a:rPr lang="en-US" sz="1800" dirty="0"/>
+              <a:t>,” </a:t>
+            </a:r>
+            <a:r>
+              <a:rPr lang="en-US" sz="1800" dirty="0" err="1"/>
+              <a:t>arXiv</a:t>
+            </a:r>
+            <a:r>
+              <a:rPr lang="en-US" sz="1800" dirty="0"/>
+              <a:t> preprint arXiv:1306.6755, 2013. </a:t>
+            </a:r>
+          </a:p>
+          <a:p>
+            <a:pPr marL="0" indent="0">
+              <a:buNone/>
+            </a:pPr>
+            <a:r>
+              <a:rPr lang="en-US" sz="1800" dirty="0"/>
+              <a:t>[3]  S. </a:t>
+            </a:r>
+            <a:r>
+              <a:rPr lang="en-US" sz="1800" dirty="0" err="1"/>
+              <a:t>Malmasi</a:t>
+            </a:r>
+            <a:r>
+              <a:rPr lang="en-US" sz="1800" dirty="0"/>
+              <a:t> and M. </a:t>
+            </a:r>
+            <a:r>
+              <a:rPr lang="en-US" sz="1800" dirty="0" err="1"/>
+              <a:t>Dras</a:t>
+            </a:r>
+            <a:r>
+              <a:rPr lang="en-US" sz="1800" dirty="0"/>
+              <a:t>, “Language identification using classifier ensembles,” in Proceedings of the Joint Workshop on Language Technology for Closely Related Languages, Varieties and Dialects, pp. 35–43, 2015. </a:t>
+            </a:r>
+          </a:p>
+          <a:p>
+            <a:pPr marL="0" indent="0">
+              <a:buNone/>
+            </a:pPr>
+            <a:r>
+              <a:rPr lang="en-US" sz="1800" dirty="0"/>
+              <a:t>[4]  M. Al-</a:t>
+            </a:r>
+            <a:r>
+              <a:rPr lang="en-US" sz="1800" dirty="0" err="1"/>
+              <a:t>Badrashiny</a:t>
+            </a:r>
+            <a:r>
+              <a:rPr lang="en-US" sz="1800" dirty="0"/>
+              <a:t> and M. Diab, “Lili: A simple language independent approach for language </a:t>
+            </a:r>
+            <a:r>
+              <a:rPr lang="en-US" sz="1800" dirty="0" err="1"/>
+              <a:t>iden</a:t>
+            </a:r>
+            <a:r>
+              <a:rPr lang="en-US" sz="1800" dirty="0"/>
+              <a:t>- </a:t>
+            </a:r>
+            <a:r>
+              <a:rPr lang="en-US" sz="1800" dirty="0" err="1"/>
+              <a:t>tification</a:t>
+            </a:r>
+            <a:r>
+              <a:rPr lang="en-US" sz="1800" dirty="0"/>
+              <a:t>,” in Proceedings of COLING 2016, the 26th International Conference on Computational Linguistics: Technical Papers, pp. 1211–1219, 2016. </a:t>
+            </a:r>
+          </a:p>
+          <a:p>
+            <a:pPr marL="0" indent="0">
+              <a:buNone/>
+            </a:pPr>
+            <a:r>
+              <a:rPr lang="en-US" sz="1800" dirty="0"/>
+              <a:t>[5]  W. </a:t>
+            </a:r>
+            <a:r>
+              <a:rPr lang="en-US" sz="1800" dirty="0" err="1"/>
+              <a:t>Adouane</a:t>
+            </a:r>
+            <a:r>
+              <a:rPr lang="en-US" sz="1800" dirty="0"/>
+              <a:t>, N. </a:t>
+            </a:r>
+            <a:r>
+              <a:rPr lang="en-US" sz="1800" dirty="0" err="1"/>
+              <a:t>Semmar</a:t>
+            </a:r>
+            <a:r>
+              <a:rPr lang="en-US" sz="1800" dirty="0"/>
+              <a:t>, R. Johansson, and V. </a:t>
+            </a:r>
+            <a:r>
+              <a:rPr lang="en-US" sz="1800" dirty="0" err="1"/>
+              <a:t>Bobicev</a:t>
+            </a:r>
+            <a:r>
+              <a:rPr lang="en-US" sz="1800" dirty="0"/>
+              <a:t>, “Automatic detection of </a:t>
+            </a:r>
+            <a:r>
+              <a:rPr lang="en-US" sz="1800" dirty="0" err="1"/>
+              <a:t>arabicized</a:t>
+            </a:r>
+            <a:r>
+              <a:rPr lang="en-US" sz="1800" dirty="0"/>
+              <a:t> </a:t>
+            </a:r>
+            <a:r>
+              <a:rPr lang="en-US" sz="1800" dirty="0" err="1"/>
+              <a:t>berber</a:t>
+            </a:r>
+            <a:r>
+              <a:rPr lang="en-US" sz="1800" dirty="0"/>
+              <a:t> and </a:t>
+            </a:r>
+            <a:r>
+              <a:rPr lang="en-US" sz="1800" dirty="0" err="1"/>
+              <a:t>arabic</a:t>
+            </a:r>
+            <a:r>
+              <a:rPr lang="en-US" sz="1800" dirty="0"/>
+              <a:t> varieties,” in Proceedings of the Third Workshop on NLP for Similar Languages, Varieties and Dialects (VarDial3), pp. 63–72, 2016. </a:t>
+            </a:r>
+          </a:p>
+          <a:p>
+            <a:pPr marL="0" indent="0">
+              <a:buNone/>
+            </a:pPr>
+            <a:endParaRPr lang="en-US" sz="1400" dirty="0"/>
+          </a:p>
+        </p:txBody>
+      </p:sp>
+    </p:spTree>
+    <p:extLst>
+      <p:ext uri="{BB962C8B-B14F-4D97-AF65-F5344CB8AC3E}">
+        <p14:creationId xmlns:p14="http://schemas.microsoft.com/office/powerpoint/2010/main" val="716501497"/>
+      </p:ext>
+    </p:extLst>
+  </p:cSld>
+  <p:clrMapOvr>
+    <a:masterClrMapping/>
+  </p:clrMapOvr>
+</p:sld>
+</file>
+
+<file path=ppt/slides/slide2.xml><?xml version="1.0" encoding="utf-8"?>
+<p:sld xmlns:a="http://schemas.openxmlformats.org/drawingml/2006/main" xmlns:r="http://schemas.openxmlformats.org/officeDocument/2006/relationships" xmlns:p="http://schemas.openxmlformats.org/presentationml/2006/main">
+  <p:cSld>
+    <p:spTree>
+      <p:nvGrpSpPr>
+        <p:cNvPr id="1" name=""/>
+        <p:cNvGrpSpPr/>
+        <p:nvPr/>
+      </p:nvGrpSpPr>
+      <p:grpSpPr>
+        <a:xfrm>
+          <a:off x="0" y="0"/>
+          <a:ext cx="0" cy="0"/>
+          <a:chOff x="0" y="0"/>
+          <a:chExt cx="0" cy="0"/>
+        </a:xfrm>
+      </p:grpSpPr>
+      <p:sp>
+        <p:nvSpPr>
+          <p:cNvPr id="2" name="Title 1">
+            <a:extLst>
+              <a:ext uri="{FF2B5EF4-FFF2-40B4-BE49-F238E27FC236}">
+                <a16:creationId xmlns:a16="http://schemas.microsoft.com/office/drawing/2014/main" id="{56B17DE5-F3B1-654A-A1B5-E8749136491F}"/>
+              </a:ext>
+            </a:extLst>
+          </p:cNvPr>
+          <p:cNvSpPr>
+            <a:spLocks noGrp="1"/>
+          </p:cNvSpPr>
+          <p:nvPr>
+            <p:ph type="title"/>
+          </p:nvPr>
+        </p:nvSpPr>
+        <p:spPr/>
+        <p:txBody>
+          <a:bodyPr/>
+          <a:lstStyle/>
+          <a:p>
+            <a:r>
+              <a:rPr lang="en-US" dirty="0"/>
+              <a:t>Contents</a:t>
+            </a:r>
+          </a:p>
+        </p:txBody>
+      </p:sp>
+      <p:sp>
+        <p:nvSpPr>
+          <p:cNvPr id="3" name="Content Placeholder 2">
+            <a:extLst>
+              <a:ext uri="{FF2B5EF4-FFF2-40B4-BE49-F238E27FC236}">
+                <a16:creationId xmlns:a16="http://schemas.microsoft.com/office/drawing/2014/main" id="{8198ADBD-386D-C04C-8F64-C68B161450F0}"/>
+              </a:ext>
+            </a:extLst>
+          </p:cNvPr>
+          <p:cNvSpPr>
+            <a:spLocks noGrp="1"/>
+          </p:cNvSpPr>
+          <p:nvPr>
+            <p:ph idx="1"/>
+          </p:nvPr>
+        </p:nvSpPr>
+        <p:spPr/>
+        <p:txBody>
+          <a:bodyPr/>
+          <a:lstStyle/>
+          <a:p>
+            <a:r>
+              <a:rPr lang="en-US" dirty="0"/>
+              <a:t>Motivation</a:t>
+            </a:r>
+          </a:p>
+          <a:p>
+            <a:r>
+              <a:rPr lang="en-US" dirty="0"/>
+              <a:t>Challenges</a:t>
+            </a:r>
+          </a:p>
+          <a:p>
+            <a:r>
+              <a:rPr lang="en-US" dirty="0"/>
+              <a:t>Preprocessing</a:t>
+            </a:r>
+          </a:p>
+          <a:p>
+            <a:r>
+              <a:rPr lang="en-US" dirty="0"/>
+              <a:t>Features</a:t>
+            </a:r>
+          </a:p>
+          <a:p>
+            <a:r>
+              <a:rPr lang="en-US" dirty="0"/>
+              <a:t>Result</a:t>
+            </a:r>
+          </a:p>
+          <a:p>
+            <a:r>
+              <a:rPr lang="en-US" dirty="0"/>
+              <a:t>Conclusion</a:t>
+            </a:r>
+          </a:p>
+        </p:txBody>
+      </p:sp>
+    </p:spTree>
+    <p:extLst>
+      <p:ext uri="{BB962C8B-B14F-4D97-AF65-F5344CB8AC3E}">
+        <p14:creationId xmlns:p14="http://schemas.microsoft.com/office/powerpoint/2010/main" val="3966541320"/>
+      </p:ext>
+    </p:extLst>
+  </p:cSld>
+  <p:clrMapOvr>
+    <a:masterClrMapping/>
+  </p:clrMapOvr>
+</p:sld>
+</file>
+
+<file path=ppt/slides/slide3.xml><?xml version="1.0" encoding="utf-8"?>
+<p:sld xmlns:a="http://schemas.openxmlformats.org/drawingml/2006/main" xmlns:r="http://schemas.openxmlformats.org/officeDocument/2006/relationships" xmlns:p="http://schemas.openxmlformats.org/presentationml/2006/main">
+  <p:cSld>
+    <p:spTree>
+      <p:nvGrpSpPr>
+        <p:cNvPr id="1" name=""/>
+        <p:cNvGrpSpPr/>
+        <p:nvPr/>
+      </p:nvGrpSpPr>
+      <p:grpSpPr>
+        <a:xfrm>
+          <a:off x="0" y="0"/>
+          <a:ext cx="0" cy="0"/>
+          <a:chOff x="0" y="0"/>
+          <a:chExt cx="0" cy="0"/>
+        </a:xfrm>
+      </p:grpSpPr>
+      <p:sp>
+        <p:nvSpPr>
+          <p:cNvPr id="2" name="Title 1">
+            <a:extLst>
+              <a:ext uri="{FF2B5EF4-FFF2-40B4-BE49-F238E27FC236}">
+                <a16:creationId xmlns:a16="http://schemas.microsoft.com/office/drawing/2014/main" id="{B7E187E3-530E-B549-9BE4-8FAFD99D734D}"/>
+              </a:ext>
+            </a:extLst>
+          </p:cNvPr>
+          <p:cNvSpPr>
+            <a:spLocks noGrp="1"/>
+          </p:cNvSpPr>
+          <p:nvPr>
+            <p:ph type="title"/>
+          </p:nvPr>
+        </p:nvSpPr>
+        <p:spPr/>
+        <p:txBody>
+          <a:bodyPr/>
+          <a:lstStyle/>
+          <a:p>
+            <a:r>
+              <a:rPr lang="en-US" dirty="0"/>
+              <a:t>Motivation</a:t>
+            </a:r>
+          </a:p>
+        </p:txBody>
+      </p:sp>
+      <p:sp>
+        <p:nvSpPr>
+          <p:cNvPr id="4" name="Rectangle 3">
+            <a:extLst>
+              <a:ext uri="{FF2B5EF4-FFF2-40B4-BE49-F238E27FC236}">
+                <a16:creationId xmlns:a16="http://schemas.microsoft.com/office/drawing/2014/main" id="{16017906-2D21-D841-9796-2679B5B86450}"/>
+              </a:ext>
+            </a:extLst>
+          </p:cNvPr>
+          <p:cNvSpPr/>
+          <p:nvPr/>
+        </p:nvSpPr>
+        <p:spPr>
+          <a:xfrm>
+            <a:off x="1133856" y="2048256"/>
+            <a:ext cx="9546336" cy="2544286"/>
+          </a:xfrm>
+          <a:prstGeom prst="rect">
+            <a:avLst/>
+          </a:prstGeom>
+        </p:spPr>
+        <p:txBody>
+          <a:bodyPr wrap="square">
+            <a:spAutoFit/>
+          </a:bodyPr>
+          <a:lstStyle/>
+          <a:p>
+            <a:pPr fontAlgn="base">
+              <a:spcAft>
+                <a:spcPts val="1000"/>
+              </a:spcAft>
+              <a:buFont typeface="Arial" panose="020B0604020202020204" pitchFamily="34" charset="0"/>
+              <a:buChar char="•"/>
+            </a:pPr>
+            <a:r>
+              <a:rPr lang="en-US" dirty="0">
+                <a:solidFill>
+                  <a:srgbClr val="000000"/>
+                </a:solidFill>
+                <a:latin typeface="Calibri" panose="020F0502020204030204" pitchFamily="34" charset="0"/>
+                <a:cs typeface="Calibri" panose="020F0502020204030204" pitchFamily="34" charset="0"/>
+              </a:rPr>
+              <a:t>Language identification libraries do not handle Romanized languages as well as their official written language counterparts.</a:t>
+            </a:r>
+          </a:p>
+          <a:p>
+            <a:pPr fontAlgn="base">
+              <a:spcAft>
+                <a:spcPts val="1000"/>
+              </a:spcAft>
+              <a:buFont typeface="Arial" panose="020B0604020202020204" pitchFamily="34" charset="0"/>
+              <a:buChar char="•"/>
+            </a:pPr>
+            <a:r>
+              <a:rPr lang="en-US" i="1" dirty="0">
+                <a:solidFill>
+                  <a:srgbClr val="000000"/>
+                </a:solidFill>
+                <a:latin typeface="Calibri" panose="020F0502020204030204" pitchFamily="34" charset="0"/>
+                <a:cs typeface="Calibri" panose="020F0502020204030204" pitchFamily="34" charset="0"/>
+              </a:rPr>
+              <a:t>Romanized language</a:t>
+            </a:r>
+            <a:r>
+              <a:rPr lang="en-US" dirty="0">
+                <a:solidFill>
+                  <a:srgbClr val="000000"/>
+                </a:solidFill>
+                <a:latin typeface="Calibri" panose="020F0502020204030204" pitchFamily="34" charset="0"/>
+                <a:cs typeface="Calibri" panose="020F0502020204030204" pitchFamily="34" charset="0"/>
+              </a:rPr>
+              <a:t>: a language (typically a spoken dialect) that is transcribed or transliterated to Latin-based characters, often by way of smartphone keyboard use </a:t>
+            </a:r>
+          </a:p>
+          <a:p>
+            <a:pPr fontAlgn="base">
+              <a:spcAft>
+                <a:spcPts val="1000"/>
+              </a:spcAft>
+              <a:buFont typeface="Arial" panose="020B0604020202020204" pitchFamily="34" charset="0"/>
+              <a:buChar char="•"/>
+            </a:pPr>
+            <a:r>
+              <a:rPr lang="en-US" dirty="0" err="1">
+                <a:solidFill>
+                  <a:srgbClr val="000000"/>
+                </a:solidFill>
+                <a:latin typeface="Calibri" panose="020F0502020204030204" pitchFamily="34" charset="0"/>
+                <a:cs typeface="Calibri" panose="020F0502020204030204" pitchFamily="34" charset="0"/>
+              </a:rPr>
+              <a:t>Arabizi</a:t>
+            </a:r>
+            <a:r>
+              <a:rPr lang="en-US" dirty="0">
+                <a:solidFill>
+                  <a:srgbClr val="000000"/>
+                </a:solidFill>
+                <a:latin typeface="Calibri" panose="020F0502020204030204" pitchFamily="34" charset="0"/>
+                <a:cs typeface="Calibri" panose="020F0502020204030204" pitchFamily="34" charset="0"/>
+              </a:rPr>
+              <a:t> is widely used by Arabic speakers on SMS, </a:t>
+            </a:r>
+            <a:r>
+              <a:rPr lang="en-US" dirty="0" err="1">
+                <a:solidFill>
+                  <a:srgbClr val="000000"/>
+                </a:solidFill>
+                <a:latin typeface="Calibri" panose="020F0502020204030204" pitchFamily="34" charset="0"/>
+                <a:cs typeface="Calibri" panose="020F0502020204030204" pitchFamily="34" charset="0"/>
+              </a:rPr>
+              <a:t>Whats</a:t>
+            </a:r>
+            <a:r>
+              <a:rPr lang="en-US" dirty="0">
+                <a:solidFill>
+                  <a:srgbClr val="000000"/>
+                </a:solidFill>
+                <a:latin typeface="Calibri" panose="020F0502020204030204" pitchFamily="34" charset="0"/>
+                <a:cs typeface="Calibri" panose="020F0502020204030204" pitchFamily="34" charset="0"/>
+              </a:rPr>
+              <a:t> App, Twitter, etc.</a:t>
+            </a:r>
+          </a:p>
+          <a:p>
+            <a:pPr marL="742950" lvl="1" indent="-285750" fontAlgn="base">
+              <a:spcAft>
+                <a:spcPts val="1000"/>
+              </a:spcAft>
+              <a:buFont typeface="Arial" panose="020B0604020202020204" pitchFamily="34" charset="0"/>
+              <a:buChar char="•"/>
+            </a:pPr>
+            <a:r>
+              <a:rPr lang="en-US" dirty="0">
+                <a:solidFill>
+                  <a:srgbClr val="000000"/>
+                </a:solidFill>
+                <a:latin typeface="Calibri" panose="020F0502020204030204" pitchFamily="34" charset="0"/>
+                <a:cs typeface="Calibri" panose="020F0502020204030204" pitchFamily="34" charset="0"/>
+              </a:rPr>
+              <a:t>Unlike Modern Standard Arabic (MSA), </a:t>
+            </a:r>
+            <a:r>
+              <a:rPr lang="en-US" dirty="0" err="1">
+                <a:solidFill>
+                  <a:srgbClr val="000000"/>
+                </a:solidFill>
+                <a:latin typeface="Calibri" panose="020F0502020204030204" pitchFamily="34" charset="0"/>
+                <a:cs typeface="Calibri" panose="020F0502020204030204" pitchFamily="34" charset="0"/>
+              </a:rPr>
+              <a:t>Arabizi</a:t>
+            </a:r>
+            <a:r>
+              <a:rPr lang="en-US" dirty="0">
+                <a:solidFill>
+                  <a:srgbClr val="000000"/>
+                </a:solidFill>
+                <a:latin typeface="Calibri" panose="020F0502020204030204" pitchFamily="34" charset="0"/>
+                <a:cs typeface="Calibri" panose="020F0502020204030204" pitchFamily="34" charset="0"/>
+              </a:rPr>
+              <a:t> does not have a sanctioned orthography.</a:t>
+            </a:r>
+          </a:p>
+          <a:p>
+            <a:pPr marL="742950" lvl="1" indent="-285750" fontAlgn="base">
+              <a:spcAft>
+                <a:spcPts val="1000"/>
+              </a:spcAft>
+              <a:buFont typeface="Arial" panose="020B0604020202020204" pitchFamily="34" charset="0"/>
+              <a:buChar char="•"/>
+            </a:pPr>
+            <a:r>
+              <a:rPr lang="en-US" dirty="0">
+                <a:solidFill>
+                  <a:srgbClr val="000000"/>
+                </a:solidFill>
+                <a:latin typeface="Calibri" panose="020F0502020204030204" pitchFamily="34" charset="0"/>
+                <a:cs typeface="Calibri" panose="020F0502020204030204" pitchFamily="34" charset="0"/>
+              </a:rPr>
+              <a:t>Some conventions, such as letter substitutes, have arisen with uneven adoption.</a:t>
+            </a:r>
+            <a:endParaRPr lang="en-US" b="0" i="0" u="none" strike="noStrike" dirty="0">
+              <a:solidFill>
+                <a:srgbClr val="000000"/>
+              </a:solidFill>
+              <a:effectLst/>
+              <a:latin typeface="Calibri" panose="020F0502020204030204" pitchFamily="34" charset="0"/>
+              <a:cs typeface="Calibri" panose="020F0502020204030204" pitchFamily="34" charset="0"/>
+            </a:endParaRPr>
+          </a:p>
+        </p:txBody>
+      </p:sp>
+    </p:spTree>
+    <p:extLst>
+      <p:ext uri="{BB962C8B-B14F-4D97-AF65-F5344CB8AC3E}">
+        <p14:creationId xmlns:p14="http://schemas.microsoft.com/office/powerpoint/2010/main" val="3880715438"/>
+      </p:ext>
+    </p:extLst>
+  </p:cSld>
+  <p:clrMapOvr>
+    <a:masterClrMapping/>
+  </p:clrMapOvr>
+</p:sld>
+</file>
+
 <file path=ppt/slides/slide4.xml><?xml version="1.0" encoding="utf-8"?>
 <p:sld xmlns:a="http://schemas.openxmlformats.org/drawingml/2006/main" xmlns:r="http://schemas.openxmlformats.org/officeDocument/2006/relationships" xmlns:p="http://schemas.openxmlformats.org/presentationml/2006/main">
   <p:cSld>
@@ -3911,6 +5127,738 @@
           <p:cNvPr id="2" name="Title 1">
             <a:extLst>
               <a:ext uri="{FF2B5EF4-FFF2-40B4-BE49-F238E27FC236}">
+                <a16:creationId xmlns:a16="http://schemas.microsoft.com/office/drawing/2014/main" id="{97673C58-4E3A-5C40-A166-A3C38986D5C7}"/>
+              </a:ext>
+            </a:extLst>
+          </p:cNvPr>
+          <p:cNvSpPr>
+            <a:spLocks noGrp="1"/>
+          </p:cNvSpPr>
+          <p:nvPr>
+            <p:ph type="title"/>
+          </p:nvPr>
+        </p:nvSpPr>
+        <p:spPr>
+          <a:xfrm>
+            <a:off x="838200" y="730885"/>
+            <a:ext cx="10515600" cy="1096787"/>
+          </a:xfrm>
+        </p:spPr>
+        <p:txBody>
+          <a:bodyPr/>
+          <a:lstStyle/>
+          <a:p>
+            <a:r>
+              <a:rPr lang="en-US" dirty="0" err="1"/>
+              <a:t>Arabizi</a:t>
+            </a:r>
+            <a:r>
+              <a:rPr lang="en-US" dirty="0"/>
+              <a:t>: Arabi-</a:t>
+            </a:r>
+            <a:r>
+              <a:rPr lang="en-US" dirty="0" err="1"/>
+              <a:t>Inglizi</a:t>
+            </a:r>
+            <a:r>
+              <a:rPr lang="en-US" dirty="0"/>
+              <a:t> (Arabic-English)</a:t>
+            </a:r>
+          </a:p>
+        </p:txBody>
+      </p:sp>
+      <p:sp>
+        <p:nvSpPr>
+          <p:cNvPr id="4" name="Rectangle 3">
+            <a:extLst>
+              <a:ext uri="{FF2B5EF4-FFF2-40B4-BE49-F238E27FC236}">
+                <a16:creationId xmlns:a16="http://schemas.microsoft.com/office/drawing/2014/main" id="{6D575D0C-172C-004B-BBD4-C405F577F279}"/>
+              </a:ext>
+            </a:extLst>
+          </p:cNvPr>
+          <p:cNvSpPr/>
+          <p:nvPr/>
+        </p:nvSpPr>
+        <p:spPr>
+          <a:xfrm>
+            <a:off x="1109472" y="1827672"/>
+            <a:ext cx="9424416" cy="2759730"/>
+          </a:xfrm>
+          <a:prstGeom prst="rect">
+            <a:avLst/>
+          </a:prstGeom>
+        </p:spPr>
+        <p:txBody>
+          <a:bodyPr wrap="square">
+            <a:spAutoFit/>
+          </a:bodyPr>
+          <a:lstStyle/>
+          <a:p>
+            <a:pPr marL="457200">
+              <a:spcAft>
+                <a:spcPts val="1600"/>
+              </a:spcAft>
+            </a:pPr>
+            <a:r>
+              <a:rPr lang="en-US" sz="1400" i="1" dirty="0">
+                <a:solidFill>
+                  <a:srgbClr val="000000"/>
+                </a:solidFill>
+                <a:latin typeface="Open Sans"/>
+              </a:rPr>
+              <a:t>...also known as texting Arabic, Romanized Arabic, Latinized Arabic, </a:t>
+            </a:r>
+            <a:r>
+              <a:rPr lang="en-US" sz="1400" i="1" dirty="0" err="1">
+                <a:solidFill>
+                  <a:srgbClr val="000000"/>
+                </a:solidFill>
+                <a:latin typeface="Open Sans"/>
+              </a:rPr>
+              <a:t>Araby</a:t>
+            </a:r>
+            <a:r>
+              <a:rPr lang="en-US" sz="1400" i="1" dirty="0">
+                <a:solidFill>
+                  <a:srgbClr val="000000"/>
+                </a:solidFill>
+                <a:latin typeface="Open Sans"/>
+              </a:rPr>
+              <a:t>, </a:t>
+            </a:r>
+            <a:r>
+              <a:rPr lang="en-US" sz="1400" i="1" dirty="0" err="1">
+                <a:solidFill>
+                  <a:srgbClr val="000000"/>
+                </a:solidFill>
+                <a:latin typeface="Open Sans"/>
+              </a:rPr>
+              <a:t>Arabish</a:t>
+            </a:r>
+            <a:r>
+              <a:rPr lang="en-US" i="1" dirty="0">
+                <a:solidFill>
+                  <a:srgbClr val="000000"/>
+                </a:solidFill>
+                <a:latin typeface="Open Sans"/>
+              </a:rPr>
+              <a:t> </a:t>
+            </a:r>
+            <a:endParaRPr lang="en-US" dirty="0"/>
+          </a:p>
+          <a:p>
+            <a:pPr algn="r" rtl="1" fontAlgn="base">
+              <a:spcBef>
+                <a:spcPts val="0"/>
+              </a:spcBef>
+              <a:spcAft>
+                <a:spcPts val="0"/>
+              </a:spcAft>
+              <a:buFont typeface="Arial" panose="020B0604020202020204" pitchFamily="34" charset="0"/>
+              <a:buChar char="•"/>
+            </a:pPr>
+            <a:r>
+              <a:rPr lang="ar-AE" sz="2400" b="1" dirty="0">
+                <a:solidFill>
+                  <a:srgbClr val="A61C00"/>
+                </a:solidFill>
+                <a:latin typeface="Tajawal"/>
+              </a:rPr>
+              <a:t>ص</a:t>
+            </a:r>
+            <a:r>
+              <a:rPr lang="ar-AE" sz="2400" dirty="0">
+                <a:solidFill>
+                  <a:srgbClr val="000000"/>
+                </a:solidFill>
+                <a:latin typeface="Tajawal"/>
+              </a:rPr>
+              <a:t>با</a:t>
+            </a:r>
+            <a:r>
+              <a:rPr lang="ar-AE" sz="2400" b="1" dirty="0">
+                <a:solidFill>
+                  <a:srgbClr val="E69138"/>
+                </a:solidFill>
+                <a:latin typeface="Tajawal"/>
+              </a:rPr>
+              <a:t>ح</a:t>
+            </a:r>
+            <a:r>
+              <a:rPr lang="ar-AE" sz="2400" dirty="0">
+                <a:solidFill>
+                  <a:srgbClr val="000000"/>
+                </a:solidFill>
+                <a:latin typeface="Tajawal"/>
+              </a:rPr>
+              <a:t> </a:t>
+            </a:r>
+            <a:r>
+              <a:rPr lang="ar-AE" sz="2400" b="1" dirty="0">
+                <a:solidFill>
+                  <a:srgbClr val="6AA84F"/>
+                </a:solidFill>
+                <a:latin typeface="Tajawal"/>
+              </a:rPr>
+              <a:t>أ</a:t>
+            </a:r>
+            <a:r>
+              <a:rPr lang="ar-AE" sz="2400" dirty="0">
+                <a:solidFill>
+                  <a:srgbClr val="000000"/>
+                </a:solidFill>
+                <a:latin typeface="Tajawal"/>
+              </a:rPr>
+              <a:t>ل</a:t>
+            </a:r>
+            <a:r>
+              <a:rPr lang="ar-AE" sz="2400" b="1" dirty="0">
+                <a:solidFill>
+                  <a:srgbClr val="3C78D8"/>
+                </a:solidFill>
+                <a:latin typeface="Tajawal"/>
+              </a:rPr>
+              <a:t>خ</a:t>
+            </a:r>
+            <a:r>
+              <a:rPr lang="ar-AE" sz="2400" dirty="0">
+                <a:solidFill>
+                  <a:srgbClr val="000000"/>
+                </a:solidFill>
+                <a:latin typeface="Tajawal"/>
+              </a:rPr>
+              <a:t>ير!</a:t>
+            </a:r>
+            <a:endParaRPr lang="ar-AE" b="1" dirty="0">
+              <a:solidFill>
+                <a:srgbClr val="000000"/>
+              </a:solidFill>
+              <a:latin typeface="Tajawal"/>
+            </a:endParaRPr>
+          </a:p>
+          <a:p>
+            <a:pPr fontAlgn="base">
+              <a:buFont typeface="Arial" panose="020B0604020202020204" pitchFamily="34" charset="0"/>
+              <a:buChar char="•"/>
+            </a:pPr>
+            <a:r>
+              <a:rPr lang="ar-AE" sz="2400" dirty="0">
+                <a:solidFill>
+                  <a:srgbClr val="A61C00"/>
+                </a:solidFill>
+                <a:latin typeface="Open Sans"/>
+              </a:rPr>
+              <a:t>9</a:t>
+            </a:r>
+            <a:r>
+              <a:rPr lang="en-US" sz="2400" dirty="0">
+                <a:solidFill>
+                  <a:srgbClr val="000000"/>
+                </a:solidFill>
+                <a:latin typeface="Open Sans"/>
+              </a:rPr>
+              <a:t>aba</a:t>
+            </a:r>
+            <a:r>
+              <a:rPr lang="en-US" sz="2400" dirty="0">
+                <a:solidFill>
+                  <a:srgbClr val="E69138"/>
+                </a:solidFill>
+                <a:latin typeface="Open Sans"/>
+              </a:rPr>
+              <a:t>7</a:t>
+            </a:r>
+            <a:r>
+              <a:rPr lang="en-US" sz="2400" dirty="0">
+                <a:solidFill>
+                  <a:srgbClr val="000000"/>
+                </a:solidFill>
+                <a:latin typeface="Open Sans"/>
+              </a:rPr>
+              <a:t> </a:t>
+            </a:r>
+            <a:r>
+              <a:rPr lang="en-US" sz="2400" dirty="0">
+                <a:solidFill>
+                  <a:srgbClr val="6AA84F"/>
+                </a:solidFill>
+                <a:latin typeface="Open Sans"/>
+              </a:rPr>
+              <a:t>2</a:t>
+            </a:r>
+            <a:r>
+              <a:rPr lang="en-US" sz="2400" dirty="0">
+                <a:solidFill>
+                  <a:srgbClr val="000000"/>
+                </a:solidFill>
+                <a:latin typeface="Open Sans"/>
+              </a:rPr>
+              <a:t>l</a:t>
+            </a:r>
+            <a:r>
+              <a:rPr lang="en-US" sz="2400" dirty="0">
+                <a:solidFill>
+                  <a:srgbClr val="3C78D8"/>
+                </a:solidFill>
+                <a:latin typeface="Open Sans"/>
+              </a:rPr>
+              <a:t>5</a:t>
+            </a:r>
+            <a:r>
+              <a:rPr lang="en-US" sz="2400" dirty="0">
+                <a:solidFill>
+                  <a:srgbClr val="000000"/>
+                </a:solidFill>
+                <a:latin typeface="Open Sans"/>
+              </a:rPr>
+              <a:t>air!</a:t>
+            </a:r>
+            <a:endParaRPr lang="en-US" dirty="0">
+              <a:solidFill>
+                <a:srgbClr val="000000"/>
+              </a:solidFill>
+              <a:latin typeface="Open Sans"/>
+            </a:endParaRPr>
+          </a:p>
+          <a:p>
+            <a:pPr marL="742950" lvl="1" indent="-285750" fontAlgn="base">
+              <a:buFont typeface="Arial" panose="020B0604020202020204" pitchFamily="34" charset="0"/>
+              <a:buChar char="•"/>
+            </a:pPr>
+            <a:r>
+              <a:rPr lang="en-US" sz="1400" dirty="0">
+                <a:solidFill>
+                  <a:srgbClr val="000000"/>
+                </a:solidFill>
+                <a:latin typeface="Open Sans"/>
+              </a:rPr>
+              <a:t>Good Morning!</a:t>
+            </a:r>
+          </a:p>
+          <a:p>
+            <a:pPr algn="r" rtl="1" fontAlgn="base">
+              <a:spcBef>
+                <a:spcPts val="0"/>
+              </a:spcBef>
+              <a:spcAft>
+                <a:spcPts val="0"/>
+              </a:spcAft>
+              <a:buFont typeface="Arial" panose="020B0604020202020204" pitchFamily="34" charset="0"/>
+              <a:buChar char="•"/>
+            </a:pPr>
+            <a:br>
+              <a:rPr lang="en-US" dirty="0"/>
+            </a:br>
+            <a:r>
+              <a:rPr lang="ar-AE" sz="2400" dirty="0">
+                <a:solidFill>
+                  <a:srgbClr val="999999"/>
+                </a:solidFill>
+                <a:latin typeface="Tajawal"/>
+              </a:rPr>
+              <a:t>ه</a:t>
+            </a:r>
+            <a:r>
+              <a:rPr lang="ar-AE" sz="2400" dirty="0">
+                <a:solidFill>
+                  <a:srgbClr val="000000"/>
+                </a:solidFill>
+                <a:latin typeface="Tajawal"/>
+              </a:rPr>
+              <a:t>ذا الس</a:t>
+            </a:r>
+            <a:r>
+              <a:rPr lang="ar-AE" sz="2400" b="1" dirty="0">
+                <a:solidFill>
+                  <a:srgbClr val="6AA84F"/>
+                </a:solidFill>
+                <a:latin typeface="Tajawal"/>
+              </a:rPr>
+              <a:t>ؤ</a:t>
+            </a:r>
+            <a:r>
+              <a:rPr lang="ar-AE" sz="2400" dirty="0">
+                <a:solidFill>
+                  <a:srgbClr val="000000"/>
+                </a:solidFill>
+                <a:latin typeface="Tajawal"/>
+              </a:rPr>
+              <a:t>ال ل ما </a:t>
+            </a:r>
+            <a:r>
+              <a:rPr lang="ar-AE" sz="2400" b="1" dirty="0">
+                <a:solidFill>
+                  <a:srgbClr val="E69138"/>
+                </a:solidFill>
+                <a:latin typeface="Tajawal"/>
+              </a:rPr>
+              <a:t>ح</a:t>
+            </a:r>
+            <a:r>
+              <a:rPr lang="ar-AE" sz="2400" dirty="0">
+                <a:solidFill>
+                  <a:srgbClr val="000000"/>
+                </a:solidFill>
+                <a:latin typeface="Tajawal"/>
+              </a:rPr>
+              <a:t>دا ب</a:t>
+            </a:r>
+            <a:r>
+              <a:rPr lang="ar-AE" sz="2400" b="1" dirty="0">
+                <a:solidFill>
+                  <a:srgbClr val="674EA7"/>
+                </a:solidFill>
+                <a:latin typeface="Tajawal"/>
+              </a:rPr>
+              <a:t>ع</a:t>
+            </a:r>
+            <a:r>
+              <a:rPr lang="ar-AE" sz="2400" dirty="0">
+                <a:solidFill>
+                  <a:srgbClr val="000000"/>
+                </a:solidFill>
+                <a:latin typeface="Tajawal"/>
+              </a:rPr>
+              <a:t>رف جواب؟</a:t>
+            </a:r>
+            <a:endParaRPr lang="ar-AE" b="1" dirty="0">
+              <a:solidFill>
+                <a:srgbClr val="000000"/>
+              </a:solidFill>
+              <a:latin typeface="Tajawal"/>
+            </a:endParaRPr>
+          </a:p>
+          <a:p>
+            <a:pPr fontAlgn="base">
+              <a:buFont typeface="Arial" panose="020B0604020202020204" pitchFamily="34" charset="0"/>
+              <a:buChar char="•"/>
+            </a:pPr>
+            <a:r>
+              <a:rPr lang="en-US" sz="2400" dirty="0" err="1">
+                <a:solidFill>
+                  <a:srgbClr val="999999"/>
+                </a:solidFill>
+                <a:latin typeface="Open Sans"/>
+              </a:rPr>
+              <a:t>h</a:t>
+            </a:r>
+            <a:r>
+              <a:rPr lang="en-US" sz="2400" dirty="0" err="1">
+                <a:solidFill>
+                  <a:srgbClr val="000000"/>
+                </a:solidFill>
+                <a:latin typeface="Open Sans"/>
+              </a:rPr>
+              <a:t>ayda</a:t>
+            </a:r>
+            <a:r>
+              <a:rPr lang="en-US" sz="2400" dirty="0">
+                <a:solidFill>
+                  <a:srgbClr val="000000"/>
+                </a:solidFill>
+                <a:latin typeface="Open Sans"/>
+              </a:rPr>
+              <a:t> el so</a:t>
+            </a:r>
+            <a:r>
+              <a:rPr lang="en-US" sz="2400" dirty="0">
+                <a:solidFill>
+                  <a:srgbClr val="6AA84F"/>
+                </a:solidFill>
+                <a:latin typeface="Open Sans"/>
+              </a:rPr>
+              <a:t>2</a:t>
+            </a:r>
+            <a:r>
+              <a:rPr lang="en-US" sz="2400" dirty="0">
+                <a:solidFill>
+                  <a:srgbClr val="000000"/>
+                </a:solidFill>
+                <a:latin typeface="Open Sans"/>
+              </a:rPr>
+              <a:t>al le ma </a:t>
+            </a:r>
+            <a:r>
+              <a:rPr lang="en-US" sz="2400" dirty="0" err="1">
+                <a:solidFill>
+                  <a:srgbClr val="E69138"/>
+                </a:solidFill>
+                <a:latin typeface="Open Sans"/>
+              </a:rPr>
+              <a:t>h</a:t>
+            </a:r>
+            <a:r>
+              <a:rPr lang="en-US" sz="2400" dirty="0" err="1">
+                <a:solidFill>
+                  <a:srgbClr val="000000"/>
+                </a:solidFill>
+                <a:latin typeface="Open Sans"/>
+              </a:rPr>
+              <a:t>ada</a:t>
+            </a:r>
+            <a:r>
+              <a:rPr lang="en-US" sz="2400" dirty="0">
+                <a:solidFill>
+                  <a:srgbClr val="000000"/>
+                </a:solidFill>
+                <a:latin typeface="Open Sans"/>
+              </a:rPr>
+              <a:t> by</a:t>
+            </a:r>
+            <a:r>
+              <a:rPr lang="en-US" sz="2400" dirty="0">
+                <a:solidFill>
+                  <a:srgbClr val="674EA7"/>
+                </a:solidFill>
+                <a:latin typeface="Open Sans"/>
+              </a:rPr>
+              <a:t>3</a:t>
+            </a:r>
+            <a:r>
+              <a:rPr lang="en-US" sz="2400" dirty="0">
+                <a:solidFill>
+                  <a:srgbClr val="000000"/>
+                </a:solidFill>
+                <a:latin typeface="Open Sans"/>
+              </a:rPr>
+              <a:t>rf </a:t>
+            </a:r>
+            <a:r>
+              <a:rPr lang="en-US" sz="2400" dirty="0" err="1">
+                <a:solidFill>
+                  <a:srgbClr val="000000"/>
+                </a:solidFill>
+                <a:latin typeface="Open Sans"/>
+              </a:rPr>
+              <a:t>jawebo</a:t>
+            </a:r>
+            <a:r>
+              <a:rPr lang="en-US" sz="2400" dirty="0">
+                <a:solidFill>
+                  <a:srgbClr val="000000"/>
+                </a:solidFill>
+                <a:latin typeface="Open Sans"/>
+              </a:rPr>
+              <a:t>?</a:t>
+            </a:r>
+            <a:endParaRPr lang="en-US" dirty="0">
+              <a:solidFill>
+                <a:srgbClr val="000000"/>
+              </a:solidFill>
+              <a:latin typeface="Open Sans"/>
+            </a:endParaRPr>
+          </a:p>
+          <a:p>
+            <a:pPr marL="742950" lvl="1" indent="-285750" fontAlgn="base">
+              <a:buFont typeface="Arial" panose="020B0604020202020204" pitchFamily="34" charset="0"/>
+              <a:buChar char="•"/>
+            </a:pPr>
+            <a:r>
+              <a:rPr lang="en-US" sz="1400" dirty="0">
+                <a:solidFill>
+                  <a:srgbClr val="000000"/>
+                </a:solidFill>
+                <a:latin typeface="Open Sans"/>
+              </a:rPr>
+              <a:t>Is this a question that no one knows the answer to?</a:t>
+            </a:r>
+            <a:endParaRPr lang="en-US" sz="1400" b="0" i="0" u="none" strike="noStrike" dirty="0">
+              <a:solidFill>
+                <a:srgbClr val="000000"/>
+              </a:solidFill>
+              <a:effectLst/>
+              <a:latin typeface="Open Sans"/>
+            </a:endParaRPr>
+          </a:p>
+        </p:txBody>
+      </p:sp>
+      <p:sp>
+        <p:nvSpPr>
+          <p:cNvPr id="3" name="TextBox 2">
+            <a:extLst>
+              <a:ext uri="{FF2B5EF4-FFF2-40B4-BE49-F238E27FC236}">
+                <a16:creationId xmlns:a16="http://schemas.microsoft.com/office/drawing/2014/main" id="{815F6340-575F-FD48-ABAA-B1188953531B}"/>
+              </a:ext>
+            </a:extLst>
+          </p:cNvPr>
+          <p:cNvSpPr txBox="1"/>
+          <p:nvPr/>
+        </p:nvSpPr>
+        <p:spPr>
+          <a:xfrm>
+            <a:off x="1109472" y="5218176"/>
+            <a:ext cx="9473184" cy="369332"/>
+          </a:xfrm>
+          <a:prstGeom prst="rect">
+            <a:avLst/>
+          </a:prstGeom>
+          <a:noFill/>
+        </p:spPr>
+        <p:txBody>
+          <a:bodyPr wrap="square" rtlCol="0">
+            <a:spAutoFit/>
+          </a:bodyPr>
+          <a:lstStyle/>
+          <a:p>
+            <a:r>
+              <a:rPr lang="en-US" dirty="0"/>
+              <a:t>S cannot follow </a:t>
+            </a:r>
+            <a:r>
+              <a:rPr lang="en-US" dirty="0" err="1"/>
+              <a:t>th</a:t>
+            </a:r>
+            <a:endParaRPr lang="en-US" dirty="0"/>
+          </a:p>
+        </p:txBody>
+      </p:sp>
+    </p:spTree>
+    <p:extLst>
+      <p:ext uri="{BB962C8B-B14F-4D97-AF65-F5344CB8AC3E}">
+        <p14:creationId xmlns:p14="http://schemas.microsoft.com/office/powerpoint/2010/main" val="4293122993"/>
+      </p:ext>
+    </p:extLst>
+  </p:cSld>
+  <p:clrMapOvr>
+    <a:masterClrMapping/>
+  </p:clrMapOvr>
+</p:sld>
+</file>
+
+<file path=ppt/slides/slide5.xml><?xml version="1.0" encoding="utf-8"?>
+<p:sld xmlns:a="http://schemas.openxmlformats.org/drawingml/2006/main" xmlns:r="http://schemas.openxmlformats.org/officeDocument/2006/relationships" xmlns:p="http://schemas.openxmlformats.org/presentationml/2006/main">
+  <p:cSld>
+    <p:spTree>
+      <p:nvGrpSpPr>
+        <p:cNvPr id="1" name=""/>
+        <p:cNvGrpSpPr/>
+        <p:nvPr/>
+      </p:nvGrpSpPr>
+      <p:grpSpPr>
+        <a:xfrm>
+          <a:off x="0" y="0"/>
+          <a:ext cx="0" cy="0"/>
+          <a:chOff x="0" y="0"/>
+          <a:chExt cx="0" cy="0"/>
+        </a:xfrm>
+      </p:grpSpPr>
+      <p:sp>
+        <p:nvSpPr>
+          <p:cNvPr id="2" name="Title 1">
+            <a:extLst>
+              <a:ext uri="{FF2B5EF4-FFF2-40B4-BE49-F238E27FC236}">
+                <a16:creationId xmlns:a16="http://schemas.microsoft.com/office/drawing/2014/main" id="{6EB547A2-D2CD-2C48-9564-8840BFAA60E5}"/>
+              </a:ext>
+            </a:extLst>
+          </p:cNvPr>
+          <p:cNvSpPr>
+            <a:spLocks noGrp="1"/>
+          </p:cNvSpPr>
+          <p:nvPr>
+            <p:ph type="title"/>
+          </p:nvPr>
+        </p:nvSpPr>
+        <p:spPr/>
+        <p:txBody>
+          <a:bodyPr/>
+          <a:lstStyle/>
+          <a:p>
+            <a:r>
+              <a:rPr lang="en-US" dirty="0"/>
+              <a:t>Challenges in </a:t>
+            </a:r>
+            <a:r>
+              <a:rPr lang="en-US" dirty="0" err="1"/>
+              <a:t>Arabizi</a:t>
+            </a:r>
+            <a:r>
+              <a:rPr lang="en-US" dirty="0"/>
+              <a:t> language Identification</a:t>
+            </a:r>
+          </a:p>
+        </p:txBody>
+      </p:sp>
+      <p:sp>
+        <p:nvSpPr>
+          <p:cNvPr id="3" name="Content Placeholder 2">
+            <a:extLst>
+              <a:ext uri="{FF2B5EF4-FFF2-40B4-BE49-F238E27FC236}">
+                <a16:creationId xmlns:a16="http://schemas.microsoft.com/office/drawing/2014/main" id="{E53B00FC-EEA6-5C4E-B97E-1CD410A27813}"/>
+              </a:ext>
+            </a:extLst>
+          </p:cNvPr>
+          <p:cNvSpPr>
+            <a:spLocks noGrp="1"/>
+          </p:cNvSpPr>
+          <p:nvPr>
+            <p:ph idx="1"/>
+          </p:nvPr>
+        </p:nvSpPr>
+        <p:spPr/>
+        <p:txBody>
+          <a:bodyPr/>
+          <a:lstStyle/>
+          <a:p>
+            <a:r>
+              <a:rPr lang="en-US" dirty="0" err="1"/>
+              <a:t>Arabizi</a:t>
+            </a:r>
+            <a:r>
+              <a:rPr lang="en-US" dirty="0"/>
+              <a:t> (also called as Romanized </a:t>
+            </a:r>
+            <a:r>
+              <a:rPr lang="en-US" dirty="0" err="1"/>
+              <a:t>Arabizi</a:t>
+            </a:r>
+            <a:r>
+              <a:rPr lang="en-US" dirty="0"/>
+              <a:t>) is mainly dialectical, has non-standard spellings, no fixed grammars and a regional vocabulary sense usage.[1]</a:t>
+            </a:r>
+          </a:p>
+          <a:p>
+            <a:r>
+              <a:rPr lang="en-US" dirty="0"/>
+              <a:t>Very limited in terms of publicly available corpus.</a:t>
+            </a:r>
+          </a:p>
+        </p:txBody>
+      </p:sp>
+    </p:spTree>
+    <p:extLst>
+      <p:ext uri="{BB962C8B-B14F-4D97-AF65-F5344CB8AC3E}">
+        <p14:creationId xmlns:p14="http://schemas.microsoft.com/office/powerpoint/2010/main" val="205739960"/>
+      </p:ext>
+    </p:extLst>
+  </p:cSld>
+  <p:clrMapOvr>
+    <a:masterClrMapping/>
+  </p:clrMapOvr>
+</p:sld>
+</file>
+
+<file path=ppt/slides/slide6.xml><?xml version="1.0" encoding="utf-8"?>
+<p:sld xmlns:a="http://schemas.openxmlformats.org/drawingml/2006/main" xmlns:r="http://schemas.openxmlformats.org/officeDocument/2006/relationships" xmlns:p="http://schemas.openxmlformats.org/presentationml/2006/main">
+  <p:cSld>
+    <p:spTree>
+      <p:nvGrpSpPr>
+        <p:cNvPr id="1" name=""/>
+        <p:cNvGrpSpPr/>
+        <p:nvPr/>
+      </p:nvGrpSpPr>
+      <p:grpSpPr>
+        <a:xfrm>
+          <a:off x="0" y="0"/>
+          <a:ext cx="0" cy="0"/>
+          <a:chOff x="0" y="0"/>
+          <a:chExt cx="0" cy="0"/>
+        </a:xfrm>
+      </p:grpSpPr>
+      <p:sp>
+        <p:nvSpPr>
+          <p:cNvPr id="2" name="Title 1">
+            <a:extLst>
+              <a:ext uri="{FF2B5EF4-FFF2-40B4-BE49-F238E27FC236}">
                 <a16:creationId xmlns:a16="http://schemas.microsoft.com/office/drawing/2014/main" id="{1D2BAEDE-3DBF-2C4F-A98F-D6FECA62DA2B}"/>
               </a:ext>
             </a:extLst>
@@ -3949,7 +5897,7 @@
           <p:nvPr>
             <p:extLst>
               <p:ext uri="{D42A27DB-BD31-4B8C-83A1-F6EECF244321}">
-                <p14:modId xmlns:p14="http://schemas.microsoft.com/office/powerpoint/2010/main" val="631078196"/>
+                <p14:modId xmlns:p14="http://schemas.microsoft.com/office/powerpoint/2010/main" val="297562587"/>
               </p:ext>
             </p:extLst>
           </p:nvPr>
@@ -4261,7 +6209,7 @@
 </p:sld>
 </file>
 
-<file path=ppt/slides/slide5.xml><?xml version="1.0" encoding="utf-8"?>
+<file path=ppt/slides/slide7.xml><?xml version="1.0" encoding="utf-8"?>
 <p:sld xmlns:a="http://schemas.openxmlformats.org/drawingml/2006/main" xmlns:r="http://schemas.openxmlformats.org/officeDocument/2006/relationships" xmlns:p="http://schemas.openxmlformats.org/presentationml/2006/main">
   <p:cSld>
     <p:spTree>
@@ -4283,7 +6231,7 @@
           <p:cNvPr id="2" name="Title 1">
             <a:extLst>
               <a:ext uri="{FF2B5EF4-FFF2-40B4-BE49-F238E27FC236}">
-                <a16:creationId xmlns:a16="http://schemas.microsoft.com/office/drawing/2014/main" id="{35BCB57B-20D3-8D43-9309-F9A5E2F4219C}"/>
+                <a16:creationId xmlns:a16="http://schemas.microsoft.com/office/drawing/2014/main" id="{41C2B1FC-BEC7-3443-AEAD-50F66658998E}"/>
               </a:ext>
             </a:extLst>
           </p:cNvPr>
@@ -4297,7 +6245,7 @@
         <p:spPr>
           <a:xfrm>
             <a:off x="838200" y="365125"/>
-            <a:ext cx="10515600" cy="683387"/>
+            <a:ext cx="10515600" cy="634619"/>
           </a:xfrm>
         </p:spPr>
         <p:txBody>
@@ -4308,87 +6256,529 @@
           <a:p>
             <a:r>
               <a:rPr lang="en-US" dirty="0"/>
-              <a:t>Challenges with Twitter Dataset</a:t>
-            </a:r>
-          </a:p>
-        </p:txBody>
-      </p:sp>
-      <p:pic>
-        <p:nvPicPr>
-          <p:cNvPr id="5" name="Content Placeholder 4" descr="A screenshot of a social media post&#10;&#10;Description automatically generated">
-            <a:extLst>
-              <a:ext uri="{FF2B5EF4-FFF2-40B4-BE49-F238E27FC236}">
-                <a16:creationId xmlns:a16="http://schemas.microsoft.com/office/drawing/2014/main" id="{13CCEC15-A584-1647-A0E5-9DE7EBDCD1CC}"/>
-              </a:ext>
-            </a:extLst>
-          </p:cNvPr>
-          <p:cNvPicPr>
-            <a:picLocks noGrp="1" noChangeAspect="1"/>
-          </p:cNvPicPr>
-          <p:nvPr>
-            <p:ph idx="1"/>
-          </p:nvPr>
-        </p:nvPicPr>
-        <p:blipFill rotWithShape="1">
-          <a:blip r:embed="rId2"/>
-          <a:srcRect r="60452"/>
-          <a:stretch/>
-        </p:blipFill>
+              <a:t>Twitter Data fetch</a:t>
+            </a:r>
+          </a:p>
+        </p:txBody>
+      </p:sp>
+      <p:sp>
+        <p:nvSpPr>
+          <p:cNvPr id="4" name="TextBox 3">
+            <a:extLst>
+              <a:ext uri="{FF2B5EF4-FFF2-40B4-BE49-F238E27FC236}">
+                <a16:creationId xmlns:a16="http://schemas.microsoft.com/office/drawing/2014/main" id="{505E38F3-B583-344B-847B-D2FC8506070E}"/>
+              </a:ext>
+            </a:extLst>
+          </p:cNvPr>
+          <p:cNvSpPr txBox="1"/>
+          <p:nvPr/>
+        </p:nvSpPr>
         <p:spPr>
           <a:xfrm>
-            <a:off x="846545" y="1320990"/>
-            <a:ext cx="4838391" cy="4141025"/>
-          </a:xfrm>
-        </p:spPr>
-      </p:pic>
-      <p:sp>
-        <p:nvSpPr>
-          <p:cNvPr id="6" name="TextBox 5">
-            <a:extLst>
-              <a:ext uri="{FF2B5EF4-FFF2-40B4-BE49-F238E27FC236}">
-                <a16:creationId xmlns:a16="http://schemas.microsoft.com/office/drawing/2014/main" id="{BBDA4744-7951-0847-A3D0-C2941220B9C2}"/>
-              </a:ext>
-            </a:extLst>
-          </p:cNvPr>
-          <p:cNvSpPr txBox="1"/>
-          <p:nvPr/>
-        </p:nvSpPr>
-        <p:spPr>
-          <a:xfrm>
-            <a:off x="5681472" y="2505670"/>
-            <a:ext cx="5672328" cy="923330"/>
+            <a:off x="4035552" y="1292352"/>
+            <a:ext cx="2962656" cy="923330"/>
           </a:xfrm>
           <a:prstGeom prst="rect">
             <a:avLst/>
           </a:prstGeom>
-          <a:noFill/>
+          <a:ln/>
         </p:spPr>
+        <p:style>
+          <a:lnRef idx="2">
+            <a:schemeClr val="dk1"/>
+          </a:lnRef>
+          <a:fillRef idx="1">
+            <a:schemeClr val="lt1"/>
+          </a:fillRef>
+          <a:effectRef idx="0">
+            <a:schemeClr val="dk1"/>
+          </a:effectRef>
+          <a:fontRef idx="minor">
+            <a:schemeClr val="dk1"/>
+          </a:fontRef>
+        </p:style>
         <p:txBody>
           <a:bodyPr wrap="square" rtlCol="0">
             <a:spAutoFit/>
           </a:bodyPr>
           <a:lstStyle/>
           <a:p>
+            <a:pPr algn="ctr"/>
             <a:r>
               <a:rPr lang="en-US" dirty="0"/>
-              <a:t>Repeated tweets: This will introduce a bias in training set.</a:t>
-            </a:r>
-          </a:p>
-          <a:p>
-            <a:endParaRPr lang="en-US" dirty="0"/>
-          </a:p>
-          <a:p>
-            <a:r>
-              <a:rPr lang="en-US" b="1" dirty="0"/>
-              <a:t>Solution?  </a:t>
-            </a:r>
-          </a:p>
-        </p:txBody>
-      </p:sp>
+              <a:t>Create a Twitter Developer Account and get access to tokens.</a:t>
+            </a:r>
+          </a:p>
+        </p:txBody>
+      </p:sp>
+      <p:sp>
+        <p:nvSpPr>
+          <p:cNvPr id="5" name="TextBox 4">
+            <a:extLst>
+              <a:ext uri="{FF2B5EF4-FFF2-40B4-BE49-F238E27FC236}">
+                <a16:creationId xmlns:a16="http://schemas.microsoft.com/office/drawing/2014/main" id="{4579C253-B7A9-EA4E-9FD1-C8FE74B5B395}"/>
+              </a:ext>
+            </a:extLst>
+          </p:cNvPr>
+          <p:cNvSpPr txBox="1"/>
+          <p:nvPr/>
+        </p:nvSpPr>
+        <p:spPr>
+          <a:xfrm>
+            <a:off x="4035552" y="2782669"/>
+            <a:ext cx="2962656" cy="923330"/>
+          </a:xfrm>
+          <a:prstGeom prst="rect">
+            <a:avLst/>
+          </a:prstGeom>
+          <a:ln/>
+        </p:spPr>
+        <p:style>
+          <a:lnRef idx="2">
+            <a:schemeClr val="dk1"/>
+          </a:lnRef>
+          <a:fillRef idx="1">
+            <a:schemeClr val="lt1"/>
+          </a:fillRef>
+          <a:effectRef idx="0">
+            <a:schemeClr val="dk1"/>
+          </a:effectRef>
+          <a:fontRef idx="minor">
+            <a:schemeClr val="dk1"/>
+          </a:fontRef>
+        </p:style>
+        <p:txBody>
+          <a:bodyPr wrap="square" rtlCol="0">
+            <a:spAutoFit/>
+          </a:bodyPr>
+          <a:lstStyle/>
+          <a:p>
+            <a:pPr algn="ctr"/>
+            <a:r>
+              <a:rPr lang="en-US" dirty="0"/>
+              <a:t>Using the tokens and various Twitter APIs, fetch relevant tweets</a:t>
+            </a:r>
+          </a:p>
+        </p:txBody>
+      </p:sp>
+      <p:sp>
+        <p:nvSpPr>
+          <p:cNvPr id="6" name="TextBox 5">
+            <a:extLst>
+              <a:ext uri="{FF2B5EF4-FFF2-40B4-BE49-F238E27FC236}">
+                <a16:creationId xmlns:a16="http://schemas.microsoft.com/office/drawing/2014/main" id="{E258EAE5-E5EA-424E-86D7-3C74B7F10E53}"/>
+              </a:ext>
+            </a:extLst>
+          </p:cNvPr>
+          <p:cNvSpPr txBox="1"/>
+          <p:nvPr/>
+        </p:nvSpPr>
+        <p:spPr>
+          <a:xfrm>
+            <a:off x="573025" y="3429000"/>
+            <a:ext cx="1490472" cy="923330"/>
+          </a:xfrm>
+          <a:prstGeom prst="rect">
+            <a:avLst/>
+          </a:prstGeom>
+          <a:ln/>
+        </p:spPr>
+        <p:style>
+          <a:lnRef idx="2">
+            <a:schemeClr val="dk1"/>
+          </a:lnRef>
+          <a:fillRef idx="1">
+            <a:schemeClr val="lt1"/>
+          </a:fillRef>
+          <a:effectRef idx="0">
+            <a:schemeClr val="dk1"/>
+          </a:effectRef>
+          <a:fontRef idx="minor">
+            <a:schemeClr val="dk1"/>
+          </a:fontRef>
+        </p:style>
+        <p:txBody>
+          <a:bodyPr wrap="square" rtlCol="0">
+            <a:spAutoFit/>
+          </a:bodyPr>
+          <a:lstStyle/>
+          <a:p>
+            <a:r>
+              <a:rPr lang="en-US" dirty="0" err="1"/>
+              <a:t>Arabizi</a:t>
+            </a:r>
+            <a:r>
+              <a:rPr lang="en-US" dirty="0"/>
+              <a:t>-English bitext corpus</a:t>
+            </a:r>
+          </a:p>
+        </p:txBody>
+      </p:sp>
+      <p:sp>
+        <p:nvSpPr>
+          <p:cNvPr id="7" name="TextBox 6">
+            <a:extLst>
+              <a:ext uri="{FF2B5EF4-FFF2-40B4-BE49-F238E27FC236}">
+                <a16:creationId xmlns:a16="http://schemas.microsoft.com/office/drawing/2014/main" id="{0C74470A-5A27-3242-A329-AC554888B151}"/>
+              </a:ext>
+            </a:extLst>
+          </p:cNvPr>
+          <p:cNvSpPr txBox="1"/>
+          <p:nvPr/>
+        </p:nvSpPr>
+        <p:spPr>
+          <a:xfrm>
+            <a:off x="9460992" y="4299012"/>
+            <a:ext cx="1591056" cy="923330"/>
+          </a:xfrm>
+          <a:prstGeom prst="rect">
+            <a:avLst/>
+          </a:prstGeom>
+          <a:ln/>
+        </p:spPr>
+        <p:style>
+          <a:lnRef idx="2">
+            <a:schemeClr val="dk1"/>
+          </a:lnRef>
+          <a:fillRef idx="1">
+            <a:schemeClr val="lt1"/>
+          </a:fillRef>
+          <a:effectRef idx="0">
+            <a:schemeClr val="dk1"/>
+          </a:effectRef>
+          <a:fontRef idx="minor">
+            <a:schemeClr val="dk1"/>
+          </a:fontRef>
+        </p:style>
+        <p:txBody>
+          <a:bodyPr wrap="square" rtlCol="0">
+            <a:spAutoFit/>
+          </a:bodyPr>
+          <a:lstStyle/>
+          <a:p>
+            <a:r>
+              <a:rPr lang="en-US" dirty="0"/>
+              <a:t>Final corpus for the experiment</a:t>
+            </a:r>
+          </a:p>
+        </p:txBody>
+      </p:sp>
+      <p:cxnSp>
+        <p:nvCxnSpPr>
+          <p:cNvPr id="9" name="Straight Arrow Connector 8">
+            <a:extLst>
+              <a:ext uri="{FF2B5EF4-FFF2-40B4-BE49-F238E27FC236}">
+                <a16:creationId xmlns:a16="http://schemas.microsoft.com/office/drawing/2014/main" id="{54E1B3B0-98C1-E243-A113-0959F99290D8}"/>
+              </a:ext>
+            </a:extLst>
+          </p:cNvPr>
+          <p:cNvCxnSpPr>
+            <a:stCxn id="4" idx="2"/>
+            <a:endCxn id="5" idx="0"/>
+          </p:cNvCxnSpPr>
+          <p:nvPr/>
+        </p:nvCxnSpPr>
+        <p:spPr>
+          <a:xfrm>
+            <a:off x="5516880" y="2215682"/>
+            <a:ext cx="0" cy="566987"/>
+          </a:xfrm>
+          <a:prstGeom prst="straightConnector1">
+            <a:avLst/>
+          </a:prstGeom>
+          <a:ln>
+            <a:tailEnd type="triangle"/>
+          </a:ln>
+        </p:spPr>
+        <p:style>
+          <a:lnRef idx="1">
+            <a:schemeClr val="dk1"/>
+          </a:lnRef>
+          <a:fillRef idx="0">
+            <a:schemeClr val="dk1"/>
+          </a:fillRef>
+          <a:effectRef idx="0">
+            <a:schemeClr val="dk1"/>
+          </a:effectRef>
+          <a:fontRef idx="minor">
+            <a:schemeClr val="tx1"/>
+          </a:fontRef>
+        </p:style>
+      </p:cxnSp>
+      <p:sp>
+        <p:nvSpPr>
+          <p:cNvPr id="10" name="TextBox 9">
+            <a:extLst>
+              <a:ext uri="{FF2B5EF4-FFF2-40B4-BE49-F238E27FC236}">
+                <a16:creationId xmlns:a16="http://schemas.microsoft.com/office/drawing/2014/main" id="{C9C78E55-8171-844E-9F1B-6A9AD173E486}"/>
+              </a:ext>
+            </a:extLst>
+          </p:cNvPr>
+          <p:cNvSpPr txBox="1"/>
+          <p:nvPr/>
+        </p:nvSpPr>
+        <p:spPr>
+          <a:xfrm>
+            <a:off x="4721352" y="4576011"/>
+            <a:ext cx="1591056" cy="369332"/>
+          </a:xfrm>
+          <a:prstGeom prst="rect">
+            <a:avLst/>
+          </a:prstGeom>
+          <a:ln/>
+        </p:spPr>
+        <p:style>
+          <a:lnRef idx="2">
+            <a:schemeClr val="dk1"/>
+          </a:lnRef>
+          <a:fillRef idx="1">
+            <a:schemeClr val="lt1"/>
+          </a:fillRef>
+          <a:effectRef idx="0">
+            <a:schemeClr val="dk1"/>
+          </a:effectRef>
+          <a:fontRef idx="minor">
+            <a:schemeClr val="dk1"/>
+          </a:fontRef>
+        </p:style>
+        <p:txBody>
+          <a:bodyPr wrap="square" rtlCol="0">
+            <a:spAutoFit/>
+          </a:bodyPr>
+          <a:lstStyle/>
+          <a:p>
+            <a:r>
+              <a:rPr lang="en-US" dirty="0"/>
+              <a:t>Preprocessing</a:t>
+            </a:r>
+          </a:p>
+        </p:txBody>
+      </p:sp>
+      <p:cxnSp>
+        <p:nvCxnSpPr>
+          <p:cNvPr id="12" name="Straight Arrow Connector 11">
+            <a:extLst>
+              <a:ext uri="{FF2B5EF4-FFF2-40B4-BE49-F238E27FC236}">
+                <a16:creationId xmlns:a16="http://schemas.microsoft.com/office/drawing/2014/main" id="{473CF429-5412-F74B-BA2A-DA605B1E5C3F}"/>
+              </a:ext>
+            </a:extLst>
+          </p:cNvPr>
+          <p:cNvCxnSpPr>
+            <a:stCxn id="5" idx="2"/>
+            <a:endCxn id="10" idx="0"/>
+          </p:cNvCxnSpPr>
+          <p:nvPr/>
+        </p:nvCxnSpPr>
+        <p:spPr>
+          <a:xfrm>
+            <a:off x="5516880" y="3705999"/>
+            <a:ext cx="0" cy="870012"/>
+          </a:xfrm>
+          <a:prstGeom prst="straightConnector1">
+            <a:avLst/>
+          </a:prstGeom>
+          <a:ln>
+            <a:tailEnd type="triangle"/>
+          </a:ln>
+        </p:spPr>
+        <p:style>
+          <a:lnRef idx="1">
+            <a:schemeClr val="dk1"/>
+          </a:lnRef>
+          <a:fillRef idx="0">
+            <a:schemeClr val="dk1"/>
+          </a:fillRef>
+          <a:effectRef idx="0">
+            <a:schemeClr val="dk1"/>
+          </a:effectRef>
+          <a:fontRef idx="minor">
+            <a:schemeClr val="tx1"/>
+          </a:fontRef>
+        </p:style>
+      </p:cxnSp>
+      <p:cxnSp>
+        <p:nvCxnSpPr>
+          <p:cNvPr id="14" name="Straight Arrow Connector 13">
+            <a:extLst>
+              <a:ext uri="{FF2B5EF4-FFF2-40B4-BE49-F238E27FC236}">
+                <a16:creationId xmlns:a16="http://schemas.microsoft.com/office/drawing/2014/main" id="{BCB5A2C7-B6FE-D542-ABAE-CF5EA8F907E2}"/>
+              </a:ext>
+            </a:extLst>
+          </p:cNvPr>
+          <p:cNvCxnSpPr>
+            <a:stCxn id="6" idx="3"/>
+            <a:endCxn id="10" idx="1"/>
+          </p:cNvCxnSpPr>
+          <p:nvPr/>
+        </p:nvCxnSpPr>
+        <p:spPr>
+          <a:xfrm>
+            <a:off x="2063497" y="3890665"/>
+            <a:ext cx="2657855" cy="870012"/>
+          </a:xfrm>
+          <a:prstGeom prst="straightConnector1">
+            <a:avLst/>
+          </a:prstGeom>
+          <a:ln>
+            <a:tailEnd type="triangle"/>
+          </a:ln>
+        </p:spPr>
+        <p:style>
+          <a:lnRef idx="1">
+            <a:schemeClr val="dk1"/>
+          </a:lnRef>
+          <a:fillRef idx="0">
+            <a:schemeClr val="dk1"/>
+          </a:fillRef>
+          <a:effectRef idx="0">
+            <a:schemeClr val="dk1"/>
+          </a:effectRef>
+          <a:fontRef idx="minor">
+            <a:schemeClr val="tx1"/>
+          </a:fontRef>
+        </p:style>
+      </p:cxnSp>
+      <p:cxnSp>
+        <p:nvCxnSpPr>
+          <p:cNvPr id="16" name="Straight Arrow Connector 15">
+            <a:extLst>
+              <a:ext uri="{FF2B5EF4-FFF2-40B4-BE49-F238E27FC236}">
+                <a16:creationId xmlns:a16="http://schemas.microsoft.com/office/drawing/2014/main" id="{B3B9166E-27D3-4344-A35F-A5980BE296A0}"/>
+              </a:ext>
+            </a:extLst>
+          </p:cNvPr>
+          <p:cNvCxnSpPr>
+            <a:stCxn id="10" idx="3"/>
+            <a:endCxn id="7" idx="1"/>
+          </p:cNvCxnSpPr>
+          <p:nvPr/>
+        </p:nvCxnSpPr>
+        <p:spPr>
+          <a:xfrm>
+            <a:off x="6312408" y="4760677"/>
+            <a:ext cx="3148584" cy="0"/>
+          </a:xfrm>
+          <a:prstGeom prst="straightConnector1">
+            <a:avLst/>
+          </a:prstGeom>
+          <a:ln>
+            <a:tailEnd type="triangle"/>
+          </a:ln>
+        </p:spPr>
+        <p:style>
+          <a:lnRef idx="1">
+            <a:schemeClr val="dk1"/>
+          </a:lnRef>
+          <a:fillRef idx="0">
+            <a:schemeClr val="dk1"/>
+          </a:fillRef>
+          <a:effectRef idx="0">
+            <a:schemeClr val="dk1"/>
+          </a:effectRef>
+          <a:fontRef idx="minor">
+            <a:schemeClr val="tx1"/>
+          </a:fontRef>
+        </p:style>
+      </p:cxnSp>
+      <p:sp>
+        <p:nvSpPr>
+          <p:cNvPr id="19" name="TextBox 18">
+            <a:extLst>
+              <a:ext uri="{FF2B5EF4-FFF2-40B4-BE49-F238E27FC236}">
+                <a16:creationId xmlns:a16="http://schemas.microsoft.com/office/drawing/2014/main" id="{6C60F1BC-D94D-FA4D-BBEA-48FABA81F631}"/>
+              </a:ext>
+            </a:extLst>
+          </p:cNvPr>
+          <p:cNvSpPr txBox="1"/>
+          <p:nvPr/>
+        </p:nvSpPr>
+        <p:spPr>
+          <a:xfrm>
+            <a:off x="573025" y="5512330"/>
+            <a:ext cx="1490472" cy="923330"/>
+          </a:xfrm>
+          <a:prstGeom prst="rect">
+            <a:avLst/>
+          </a:prstGeom>
+          <a:ln/>
+        </p:spPr>
+        <p:style>
+          <a:lnRef idx="2">
+            <a:schemeClr val="dk1"/>
+          </a:lnRef>
+          <a:fillRef idx="1">
+            <a:schemeClr val="lt1"/>
+          </a:fillRef>
+          <a:effectRef idx="0">
+            <a:schemeClr val="dk1"/>
+          </a:effectRef>
+          <a:fontRef idx="minor">
+            <a:schemeClr val="dk1"/>
+          </a:fontRef>
+        </p:style>
+        <p:txBody>
+          <a:bodyPr wrap="square" rtlCol="0">
+            <a:spAutoFit/>
+          </a:bodyPr>
+          <a:lstStyle/>
+          <a:p>
+            <a:r>
+              <a:rPr lang="en-US" dirty="0" err="1"/>
+              <a:t>Arabizi</a:t>
+            </a:r>
+            <a:r>
+              <a:rPr lang="en-US" dirty="0"/>
+              <a:t>-English bitext corpus</a:t>
+            </a:r>
+          </a:p>
+        </p:txBody>
+      </p:sp>
+      <p:cxnSp>
+        <p:nvCxnSpPr>
+          <p:cNvPr id="21" name="Straight Arrow Connector 20">
+            <a:extLst>
+              <a:ext uri="{FF2B5EF4-FFF2-40B4-BE49-F238E27FC236}">
+                <a16:creationId xmlns:a16="http://schemas.microsoft.com/office/drawing/2014/main" id="{A7E45220-9780-DE4B-870D-25F5620D88AD}"/>
+              </a:ext>
+            </a:extLst>
+          </p:cNvPr>
+          <p:cNvCxnSpPr>
+            <a:stCxn id="19" idx="3"/>
+            <a:endCxn id="10" idx="1"/>
+          </p:cNvCxnSpPr>
+          <p:nvPr/>
+        </p:nvCxnSpPr>
+        <p:spPr>
+          <a:xfrm flipV="1">
+            <a:off x="2063497" y="4760677"/>
+            <a:ext cx="2657855" cy="1213318"/>
+          </a:xfrm>
+          <a:prstGeom prst="straightConnector1">
+            <a:avLst/>
+          </a:prstGeom>
+          <a:ln>
+            <a:tailEnd type="triangle"/>
+          </a:ln>
+        </p:spPr>
+        <p:style>
+          <a:lnRef idx="1">
+            <a:schemeClr val="dk1"/>
+          </a:lnRef>
+          <a:fillRef idx="0">
+            <a:schemeClr val="dk1"/>
+          </a:fillRef>
+          <a:effectRef idx="0">
+            <a:schemeClr val="dk1"/>
+          </a:effectRef>
+          <a:fontRef idx="minor">
+            <a:schemeClr val="tx1"/>
+          </a:fontRef>
+        </p:style>
+      </p:cxnSp>
     </p:spTree>
     <p:extLst>
       <p:ext uri="{BB962C8B-B14F-4D97-AF65-F5344CB8AC3E}">
-        <p14:creationId xmlns:p14="http://schemas.microsoft.com/office/powerpoint/2010/main" val="3419170296"/>
+        <p14:creationId xmlns:p14="http://schemas.microsoft.com/office/powerpoint/2010/main" val="458566910"/>
       </p:ext>
     </p:extLst>
   </p:cSld>
@@ -4398,7 +6788,7 @@
 </p:sld>
 </file>
 
-<file path=ppt/slides/slide6.xml><?xml version="1.0" encoding="utf-8"?>
+<file path=ppt/slides/slide8.xml><?xml version="1.0" encoding="utf-8"?>
 <p:sld xmlns:a="http://schemas.openxmlformats.org/drawingml/2006/main" xmlns:r="http://schemas.openxmlformats.org/officeDocument/2006/relationships" xmlns:p="http://schemas.openxmlformats.org/presentationml/2006/main">
   <p:cSld>
     <p:spTree>
@@ -4420,7 +6810,7 @@
           <p:cNvPr id="2" name="Title 1">
             <a:extLst>
               <a:ext uri="{FF2B5EF4-FFF2-40B4-BE49-F238E27FC236}">
-                <a16:creationId xmlns:a16="http://schemas.microsoft.com/office/drawing/2014/main" id="{41C2B1FC-BEC7-3443-AEAD-50F66658998E}"/>
+                <a16:creationId xmlns:a16="http://schemas.microsoft.com/office/drawing/2014/main" id="{786BF385-478C-3E46-8B47-1765EB24E357}"/>
               </a:ext>
             </a:extLst>
           </p:cNvPr>
@@ -4438,7 +6828,7 @@
           <a:p>
             <a:r>
               <a:rPr lang="en-US" dirty="0"/>
-              <a:t>Twitter Data fetch</a:t>
+              <a:t>Twitter Data Fetch</a:t>
             </a:r>
           </a:p>
         </p:txBody>
@@ -4448,7 +6838,7 @@
           <p:cNvPr id="3" name="Content Placeholder 2">
             <a:extLst>
               <a:ext uri="{FF2B5EF4-FFF2-40B4-BE49-F238E27FC236}">
-                <a16:creationId xmlns:a16="http://schemas.microsoft.com/office/drawing/2014/main" id="{BE427DEE-3F26-AB4E-AFB3-0A7392B216D4}"/>
+                <a16:creationId xmlns:a16="http://schemas.microsoft.com/office/drawing/2014/main" id="{324319F6-8974-B240-A5B3-B88A4267BA25}"/>
               </a:ext>
             </a:extLst>
           </p:cNvPr>
@@ -4464,14 +6854,151 @@
           <a:bodyPr/>
           <a:lstStyle/>
           <a:p>
-            <a:endParaRPr lang="en-US"/>
+            <a:endParaRPr lang="en-US" dirty="0"/>
           </a:p>
         </p:txBody>
       </p:sp>
     </p:spTree>
     <p:extLst>
       <p:ext uri="{BB962C8B-B14F-4D97-AF65-F5344CB8AC3E}">
-        <p14:creationId xmlns:p14="http://schemas.microsoft.com/office/powerpoint/2010/main" val="458566910"/>
+        <p14:creationId xmlns:p14="http://schemas.microsoft.com/office/powerpoint/2010/main" val="1440217533"/>
+      </p:ext>
+    </p:extLst>
+  </p:cSld>
+  <p:clrMapOvr>
+    <a:masterClrMapping/>
+  </p:clrMapOvr>
+</p:sld>
+</file>
+
+<file path=ppt/slides/slide9.xml><?xml version="1.0" encoding="utf-8"?>
+<p:sld xmlns:a="http://schemas.openxmlformats.org/drawingml/2006/main" xmlns:r="http://schemas.openxmlformats.org/officeDocument/2006/relationships" xmlns:p="http://schemas.openxmlformats.org/presentationml/2006/main">
+  <p:cSld>
+    <p:spTree>
+      <p:nvGrpSpPr>
+        <p:cNvPr id="1" name=""/>
+        <p:cNvGrpSpPr/>
+        <p:nvPr/>
+      </p:nvGrpSpPr>
+      <p:grpSpPr>
+        <a:xfrm>
+          <a:off x="0" y="0"/>
+          <a:ext cx="0" cy="0"/>
+          <a:chOff x="0" y="0"/>
+          <a:chExt cx="0" cy="0"/>
+        </a:xfrm>
+      </p:grpSpPr>
+      <p:sp>
+        <p:nvSpPr>
+          <p:cNvPr id="2" name="Title 1">
+            <a:extLst>
+              <a:ext uri="{FF2B5EF4-FFF2-40B4-BE49-F238E27FC236}">
+                <a16:creationId xmlns:a16="http://schemas.microsoft.com/office/drawing/2014/main" id="{35BCB57B-20D3-8D43-9309-F9A5E2F4219C}"/>
+              </a:ext>
+            </a:extLst>
+          </p:cNvPr>
+          <p:cNvSpPr>
+            <a:spLocks noGrp="1"/>
+          </p:cNvSpPr>
+          <p:nvPr>
+            <p:ph type="title"/>
+          </p:nvPr>
+        </p:nvSpPr>
+        <p:spPr>
+          <a:xfrm>
+            <a:off x="838200" y="365125"/>
+            <a:ext cx="10515600" cy="683387"/>
+          </a:xfrm>
+        </p:spPr>
+        <p:txBody>
+          <a:bodyPr>
+            <a:normAutofit fontScale="90000"/>
+          </a:bodyPr>
+          <a:lstStyle/>
+          <a:p>
+            <a:r>
+              <a:rPr lang="en-US" dirty="0"/>
+              <a:t>Challenges with Twitter Dataset</a:t>
+            </a:r>
+          </a:p>
+        </p:txBody>
+      </p:sp>
+      <p:pic>
+        <p:nvPicPr>
+          <p:cNvPr id="5" name="Content Placeholder 4" descr="A screenshot of a social media post&#10;&#10;Description automatically generated">
+            <a:extLst>
+              <a:ext uri="{FF2B5EF4-FFF2-40B4-BE49-F238E27FC236}">
+                <a16:creationId xmlns:a16="http://schemas.microsoft.com/office/drawing/2014/main" id="{13CCEC15-A584-1647-A0E5-9DE7EBDCD1CC}"/>
+              </a:ext>
+            </a:extLst>
+          </p:cNvPr>
+          <p:cNvPicPr>
+            <a:picLocks noGrp="1" noChangeAspect="1"/>
+          </p:cNvPicPr>
+          <p:nvPr>
+            <p:ph idx="1"/>
+          </p:nvPr>
+        </p:nvPicPr>
+        <p:blipFill rotWithShape="1">
+          <a:blip r:embed="rId2"/>
+          <a:srcRect r="60452"/>
+          <a:stretch/>
+        </p:blipFill>
+        <p:spPr>
+          <a:xfrm>
+            <a:off x="846545" y="1320990"/>
+            <a:ext cx="4838391" cy="4141025"/>
+          </a:xfrm>
+        </p:spPr>
+      </p:pic>
+      <p:sp>
+        <p:nvSpPr>
+          <p:cNvPr id="6" name="TextBox 5">
+            <a:extLst>
+              <a:ext uri="{FF2B5EF4-FFF2-40B4-BE49-F238E27FC236}">
+                <a16:creationId xmlns:a16="http://schemas.microsoft.com/office/drawing/2014/main" id="{BBDA4744-7951-0847-A3D0-C2941220B9C2}"/>
+              </a:ext>
+            </a:extLst>
+          </p:cNvPr>
+          <p:cNvSpPr txBox="1"/>
+          <p:nvPr/>
+        </p:nvSpPr>
+        <p:spPr>
+          <a:xfrm>
+            <a:off x="5681472" y="2505670"/>
+            <a:ext cx="5672328" cy="923330"/>
+          </a:xfrm>
+          <a:prstGeom prst="rect">
+            <a:avLst/>
+          </a:prstGeom>
+          <a:noFill/>
+        </p:spPr>
+        <p:txBody>
+          <a:bodyPr wrap="square" rtlCol="0">
+            <a:spAutoFit/>
+          </a:bodyPr>
+          <a:lstStyle/>
+          <a:p>
+            <a:r>
+              <a:rPr lang="en-US" dirty="0"/>
+              <a:t>Repeated tweets: This will introduce a bias in training set.</a:t>
+            </a:r>
+          </a:p>
+          <a:p>
+            <a:endParaRPr lang="en-US" dirty="0"/>
+          </a:p>
+          <a:p>
+            <a:r>
+              <a:rPr lang="en-US" b="1" dirty="0"/>
+              <a:t>Solution?  </a:t>
+            </a:r>
+          </a:p>
+        </p:txBody>
+      </p:sp>
+    </p:spTree>
+    <p:extLst>
+      <p:ext uri="{BB962C8B-B14F-4D97-AF65-F5344CB8AC3E}">
+        <p14:creationId xmlns:p14="http://schemas.microsoft.com/office/powerpoint/2010/main" val="3419170296"/>
       </p:ext>
     </p:extLst>
   </p:cSld>
